--- a/Images/Figures_PPT/Box_Plot_TOR_All.pptx
+++ b/Images/Figures_PPT/Box_Plot_TOR_All.pptx
@@ -2298,8 +2298,8 @@
           </p:nvSpPr>
           <p:spPr>
             <a:xfrm>
-              <a:off x="914400" y="914400"/>
-              <a:ext cx="9144000" cy="6400800"/>
+              <a:off x="10058400" y="914400"/>
+              <a:ext cx="0" cy="6400800"/>
             </a:xfrm>
             <a:prstGeom prst="rect">
               <a:avLst/>
@@ -2333,8 +2333,8 @@
           </p:nvSpPr>
           <p:spPr>
             <a:xfrm>
-              <a:off x="1459435" y="1407846"/>
-              <a:ext cx="8529375" cy="5507419"/>
+              <a:off x="1427580" y="1392990"/>
+              <a:ext cx="8561230" cy="5534432"/>
             </a:xfrm>
             <a:prstGeom prst="rect">
               <a:avLst/>
@@ -2359,21 +2359,21 @@
           </p:nvSpPr>
           <p:spPr>
             <a:xfrm>
-              <a:off x="1459435" y="6357319"/>
-              <a:ext cx="8529375" cy="0"/>
-            </a:xfrm>
-            <a:custGeom>
-              <a:avLst/>
-              <a:pathLst>
-                <a:path w="8529375" h="0">
-                  <a:moveTo>
-                    <a:pt x="0" y="0"/>
-                  </a:moveTo>
-                  <a:lnTo>
-                    <a:pt x="8529375" y="0"/>
-                  </a:lnTo>
-                  <a:lnTo>
-                    <a:pt x="8529375" y="0"/>
+              <a:off x="1427580" y="6366738"/>
+              <a:ext cx="8561230" cy="0"/>
+            </a:xfrm>
+            <a:custGeom>
+              <a:avLst/>
+              <a:pathLst>
+                <a:path w="8561230" h="0">
+                  <a:moveTo>
+                    <a:pt x="0" y="0"/>
+                  </a:moveTo>
+                  <a:lnTo>
+                    <a:pt x="8561230" y="0"/>
+                  </a:lnTo>
+                  <a:lnTo>
+                    <a:pt x="8561230" y="0"/>
                   </a:lnTo>
                 </a:path>
               </a:pathLst>
@@ -2402,21 +2402,21 @@
           </p:nvSpPr>
           <p:spPr>
             <a:xfrm>
-              <a:off x="1459435" y="5218024"/>
-              <a:ext cx="8529375" cy="0"/>
-            </a:xfrm>
-            <a:custGeom>
-              <a:avLst/>
-              <a:pathLst>
-                <a:path w="8529375" h="0">
-                  <a:moveTo>
-                    <a:pt x="0" y="0"/>
-                  </a:moveTo>
-                  <a:lnTo>
-                    <a:pt x="8529375" y="0"/>
-                  </a:lnTo>
-                  <a:lnTo>
-                    <a:pt x="8529375" y="0"/>
+              <a:off x="1427580" y="5221855"/>
+              <a:ext cx="8561230" cy="0"/>
+            </a:xfrm>
+            <a:custGeom>
+              <a:avLst/>
+              <a:pathLst>
+                <a:path w="8561230" h="0">
+                  <a:moveTo>
+                    <a:pt x="0" y="0"/>
+                  </a:moveTo>
+                  <a:lnTo>
+                    <a:pt x="8561230" y="0"/>
+                  </a:lnTo>
+                  <a:lnTo>
+                    <a:pt x="8561230" y="0"/>
                   </a:lnTo>
                 </a:path>
               </a:pathLst>
@@ -2445,21 +2445,21 @@
           </p:nvSpPr>
           <p:spPr>
             <a:xfrm>
-              <a:off x="1459435" y="4078729"/>
-              <a:ext cx="8529375" cy="0"/>
-            </a:xfrm>
-            <a:custGeom>
-              <a:avLst/>
-              <a:pathLst>
-                <a:path w="8529375" h="0">
-                  <a:moveTo>
-                    <a:pt x="0" y="0"/>
-                  </a:moveTo>
-                  <a:lnTo>
-                    <a:pt x="8529375" y="0"/>
-                  </a:lnTo>
-                  <a:lnTo>
-                    <a:pt x="8529375" y="0"/>
+              <a:off x="1427580" y="4076973"/>
+              <a:ext cx="8561230" cy="0"/>
+            </a:xfrm>
+            <a:custGeom>
+              <a:avLst/>
+              <a:pathLst>
+                <a:path w="8561230" h="0">
+                  <a:moveTo>
+                    <a:pt x="0" y="0"/>
+                  </a:moveTo>
+                  <a:lnTo>
+                    <a:pt x="8561230" y="0"/>
+                  </a:lnTo>
+                  <a:lnTo>
+                    <a:pt x="8561230" y="0"/>
                   </a:lnTo>
                 </a:path>
               </a:pathLst>
@@ -2488,21 +2488,21 @@
           </p:nvSpPr>
           <p:spPr>
             <a:xfrm>
-              <a:off x="1459435" y="2939435"/>
-              <a:ext cx="8529375" cy="0"/>
-            </a:xfrm>
-            <a:custGeom>
-              <a:avLst/>
-              <a:pathLst>
-                <a:path w="8529375" h="0">
-                  <a:moveTo>
-                    <a:pt x="0" y="0"/>
-                  </a:moveTo>
-                  <a:lnTo>
-                    <a:pt x="8529375" y="0"/>
-                  </a:lnTo>
-                  <a:lnTo>
-                    <a:pt x="8529375" y="0"/>
+              <a:off x="1427580" y="2932090"/>
+              <a:ext cx="8561230" cy="0"/>
+            </a:xfrm>
+            <a:custGeom>
+              <a:avLst/>
+              <a:pathLst>
+                <a:path w="8561230" h="0">
+                  <a:moveTo>
+                    <a:pt x="0" y="0"/>
+                  </a:moveTo>
+                  <a:lnTo>
+                    <a:pt x="8561230" y="0"/>
+                  </a:lnTo>
+                  <a:lnTo>
+                    <a:pt x="8561230" y="0"/>
                   </a:lnTo>
                 </a:path>
               </a:pathLst>
@@ -2531,21 +2531,21 @@
           </p:nvSpPr>
           <p:spPr>
             <a:xfrm>
-              <a:off x="1459435" y="1800140"/>
-              <a:ext cx="8529375" cy="0"/>
-            </a:xfrm>
-            <a:custGeom>
-              <a:avLst/>
-              <a:pathLst>
-                <a:path w="8529375" h="0">
-                  <a:moveTo>
-                    <a:pt x="0" y="0"/>
-                  </a:moveTo>
-                  <a:lnTo>
-                    <a:pt x="8529375" y="0"/>
-                  </a:lnTo>
-                  <a:lnTo>
-                    <a:pt x="8529375" y="0"/>
+              <a:off x="1427580" y="1787207"/>
+              <a:ext cx="8561230" cy="0"/>
+            </a:xfrm>
+            <a:custGeom>
+              <a:avLst/>
+              <a:pathLst>
+                <a:path w="8561230" h="0">
+                  <a:moveTo>
+                    <a:pt x="0" y="0"/>
+                  </a:moveTo>
+                  <a:lnTo>
+                    <a:pt x="8561230" y="0"/>
+                  </a:lnTo>
+                  <a:lnTo>
+                    <a:pt x="8561230" y="0"/>
                   </a:lnTo>
                 </a:path>
               </a:pathLst>
@@ -2574,21 +2574,21 @@
           </p:nvSpPr>
           <p:spPr>
             <a:xfrm>
-              <a:off x="1459435" y="5787672"/>
-              <a:ext cx="8529375" cy="0"/>
-            </a:xfrm>
-            <a:custGeom>
-              <a:avLst/>
-              <a:pathLst>
-                <a:path w="8529375" h="0">
-                  <a:moveTo>
-                    <a:pt x="0" y="0"/>
-                  </a:moveTo>
-                  <a:lnTo>
-                    <a:pt x="8529375" y="0"/>
-                  </a:lnTo>
-                  <a:lnTo>
-                    <a:pt x="8529375" y="0"/>
+              <a:off x="1427580" y="5794297"/>
+              <a:ext cx="8561230" cy="0"/>
+            </a:xfrm>
+            <a:custGeom>
+              <a:avLst/>
+              <a:pathLst>
+                <a:path w="8561230" h="0">
+                  <a:moveTo>
+                    <a:pt x="0" y="0"/>
+                  </a:moveTo>
+                  <a:lnTo>
+                    <a:pt x="8561230" y="0"/>
+                  </a:lnTo>
+                  <a:lnTo>
+                    <a:pt x="8561230" y="0"/>
                   </a:lnTo>
                 </a:path>
               </a:pathLst>
@@ -2617,21 +2617,21 @@
           </p:nvSpPr>
           <p:spPr>
             <a:xfrm>
-              <a:off x="1459435" y="4648377"/>
-              <a:ext cx="8529375" cy="0"/>
-            </a:xfrm>
-            <a:custGeom>
-              <a:avLst/>
-              <a:pathLst>
-                <a:path w="8529375" h="0">
-                  <a:moveTo>
-                    <a:pt x="0" y="0"/>
-                  </a:moveTo>
-                  <a:lnTo>
-                    <a:pt x="8529375" y="0"/>
-                  </a:lnTo>
-                  <a:lnTo>
-                    <a:pt x="8529375" y="0"/>
+              <a:off x="1427580" y="4649414"/>
+              <a:ext cx="8561230" cy="0"/>
+            </a:xfrm>
+            <a:custGeom>
+              <a:avLst/>
+              <a:pathLst>
+                <a:path w="8561230" h="0">
+                  <a:moveTo>
+                    <a:pt x="0" y="0"/>
+                  </a:moveTo>
+                  <a:lnTo>
+                    <a:pt x="8561230" y="0"/>
+                  </a:lnTo>
+                  <a:lnTo>
+                    <a:pt x="8561230" y="0"/>
                   </a:lnTo>
                 </a:path>
               </a:pathLst>
@@ -2660,21 +2660,21 @@
           </p:nvSpPr>
           <p:spPr>
             <a:xfrm>
-              <a:off x="1459435" y="3509082"/>
-              <a:ext cx="8529375" cy="0"/>
-            </a:xfrm>
-            <a:custGeom>
-              <a:avLst/>
-              <a:pathLst>
-                <a:path w="8529375" h="0">
-                  <a:moveTo>
-                    <a:pt x="0" y="0"/>
-                  </a:moveTo>
-                  <a:lnTo>
-                    <a:pt x="8529375" y="0"/>
-                  </a:lnTo>
-                  <a:lnTo>
-                    <a:pt x="8529375" y="0"/>
+              <a:off x="1427580" y="3504531"/>
+              <a:ext cx="8561230" cy="0"/>
+            </a:xfrm>
+            <a:custGeom>
+              <a:avLst/>
+              <a:pathLst>
+                <a:path w="8561230" h="0">
+                  <a:moveTo>
+                    <a:pt x="0" y="0"/>
+                  </a:moveTo>
+                  <a:lnTo>
+                    <a:pt x="8561230" y="0"/>
+                  </a:lnTo>
+                  <a:lnTo>
+                    <a:pt x="8561230" y="0"/>
                   </a:lnTo>
                 </a:path>
               </a:pathLst>
@@ -2703,21 +2703,21 @@
           </p:nvSpPr>
           <p:spPr>
             <a:xfrm>
-              <a:off x="1459435" y="2369787"/>
-              <a:ext cx="8529375" cy="0"/>
-            </a:xfrm>
-            <a:custGeom>
-              <a:avLst/>
-              <a:pathLst>
-                <a:path w="8529375" h="0">
-                  <a:moveTo>
-                    <a:pt x="0" y="0"/>
-                  </a:moveTo>
-                  <a:lnTo>
-                    <a:pt x="8529375" y="0"/>
-                  </a:lnTo>
-                  <a:lnTo>
-                    <a:pt x="8529375" y="0"/>
+              <a:off x="1427580" y="2359648"/>
+              <a:ext cx="8561230" cy="0"/>
+            </a:xfrm>
+            <a:custGeom>
+              <a:avLst/>
+              <a:pathLst>
+                <a:path w="8561230" h="0">
+                  <a:moveTo>
+                    <a:pt x="0" y="0"/>
+                  </a:moveTo>
+                  <a:lnTo>
+                    <a:pt x="8561230" y="0"/>
+                  </a:lnTo>
+                  <a:lnTo>
+                    <a:pt x="8561230" y="0"/>
                   </a:lnTo>
                 </a:path>
               </a:pathLst>
@@ -2746,15 +2746,15 @@
           </p:nvSpPr>
           <p:spPr>
             <a:xfrm>
-              <a:off x="2083536" y="1407846"/>
-              <a:ext cx="0" cy="5507419"/>
-            </a:xfrm>
-            <a:custGeom>
-              <a:avLst/>
-              <a:pathLst>
-                <a:path w="0" h="5507419">
-                  <a:moveTo>
-                    <a:pt x="0" y="5507419"/>
+              <a:off x="2054011" y="1392990"/>
+              <a:ext cx="0" cy="5534432"/>
+            </a:xfrm>
+            <a:custGeom>
+              <a:avLst/>
+              <a:pathLst>
+                <a:path w="0" h="5534432">
+                  <a:moveTo>
+                    <a:pt x="0" y="5534432"/>
                   </a:moveTo>
                   <a:lnTo>
                     <a:pt x="0" y="0"/>
@@ -2789,15 +2789,15 @@
           </p:nvSpPr>
           <p:spPr>
             <a:xfrm>
-              <a:off x="3123704" y="1407846"/>
-              <a:ext cx="0" cy="5507419"/>
-            </a:xfrm>
-            <a:custGeom>
-              <a:avLst/>
-              <a:pathLst>
-                <a:path w="0" h="5507419">
-                  <a:moveTo>
-                    <a:pt x="0" y="5507419"/>
+              <a:off x="3098064" y="1392990"/>
+              <a:ext cx="0" cy="5534432"/>
+            </a:xfrm>
+            <a:custGeom>
+              <a:avLst/>
+              <a:pathLst>
+                <a:path w="0" h="5534432">
+                  <a:moveTo>
+                    <a:pt x="0" y="5534432"/>
                   </a:moveTo>
                   <a:lnTo>
                     <a:pt x="0" y="0"/>
@@ -2832,15 +2832,15 @@
           </p:nvSpPr>
           <p:spPr>
             <a:xfrm>
-              <a:off x="4163871" y="1407846"/>
-              <a:ext cx="0" cy="5507419"/>
-            </a:xfrm>
-            <a:custGeom>
-              <a:avLst/>
-              <a:pathLst>
-                <a:path w="0" h="5507419">
-                  <a:moveTo>
-                    <a:pt x="0" y="5507419"/>
+              <a:off x="4142116" y="1392990"/>
+              <a:ext cx="0" cy="5534432"/>
+            </a:xfrm>
+            <a:custGeom>
+              <a:avLst/>
+              <a:pathLst>
+                <a:path w="0" h="5534432">
+                  <a:moveTo>
+                    <a:pt x="0" y="5534432"/>
                   </a:moveTo>
                   <a:lnTo>
                     <a:pt x="0" y="0"/>
@@ -2875,15 +2875,15 @@
           </p:nvSpPr>
           <p:spPr>
             <a:xfrm>
-              <a:off x="5204039" y="1407846"/>
-              <a:ext cx="0" cy="5507419"/>
-            </a:xfrm>
-            <a:custGeom>
-              <a:avLst/>
-              <a:pathLst>
-                <a:path w="0" h="5507419">
-                  <a:moveTo>
-                    <a:pt x="0" y="5507419"/>
+              <a:off x="5186169" y="1392990"/>
+              <a:ext cx="0" cy="5534432"/>
+            </a:xfrm>
+            <a:custGeom>
+              <a:avLst/>
+              <a:pathLst>
+                <a:path w="0" h="5534432">
+                  <a:moveTo>
+                    <a:pt x="0" y="5534432"/>
                   </a:moveTo>
                   <a:lnTo>
                     <a:pt x="0" y="0"/>
@@ -2918,15 +2918,15 @@
           </p:nvSpPr>
           <p:spPr>
             <a:xfrm>
-              <a:off x="6244207" y="1407846"/>
-              <a:ext cx="0" cy="5507419"/>
-            </a:xfrm>
-            <a:custGeom>
-              <a:avLst/>
-              <a:pathLst>
-                <a:path w="0" h="5507419">
-                  <a:moveTo>
-                    <a:pt x="0" y="5507419"/>
+              <a:off x="6230221" y="1392990"/>
+              <a:ext cx="0" cy="5534432"/>
+            </a:xfrm>
+            <a:custGeom>
+              <a:avLst/>
+              <a:pathLst>
+                <a:path w="0" h="5534432">
+                  <a:moveTo>
+                    <a:pt x="0" y="5534432"/>
                   </a:moveTo>
                   <a:lnTo>
                     <a:pt x="0" y="0"/>
@@ -2961,15 +2961,15 @@
           </p:nvSpPr>
           <p:spPr>
             <a:xfrm>
-              <a:off x="7284374" y="1407846"/>
-              <a:ext cx="0" cy="5507419"/>
-            </a:xfrm>
-            <a:custGeom>
-              <a:avLst/>
-              <a:pathLst>
-                <a:path w="0" h="5507419">
-                  <a:moveTo>
-                    <a:pt x="0" y="5507419"/>
+              <a:off x="7274274" y="1392990"/>
+              <a:ext cx="0" cy="5534432"/>
+            </a:xfrm>
+            <a:custGeom>
+              <a:avLst/>
+              <a:pathLst>
+                <a:path w="0" h="5534432">
+                  <a:moveTo>
+                    <a:pt x="0" y="5534432"/>
                   </a:moveTo>
                   <a:lnTo>
                     <a:pt x="0" y="0"/>
@@ -3004,15 +3004,15 @@
           </p:nvSpPr>
           <p:spPr>
             <a:xfrm>
-              <a:off x="8324542" y="1407846"/>
-              <a:ext cx="0" cy="5507419"/>
-            </a:xfrm>
-            <a:custGeom>
-              <a:avLst/>
-              <a:pathLst>
-                <a:path w="0" h="5507419">
-                  <a:moveTo>
-                    <a:pt x="0" y="5507419"/>
+              <a:off x="8318326" y="1392990"/>
+              <a:ext cx="0" cy="5534432"/>
+            </a:xfrm>
+            <a:custGeom>
+              <a:avLst/>
+              <a:pathLst>
+                <a:path w="0" h="5534432">
+                  <a:moveTo>
+                    <a:pt x="0" y="5534432"/>
                   </a:moveTo>
                   <a:lnTo>
                     <a:pt x="0" y="0"/>
@@ -3047,15 +3047,15 @@
           </p:nvSpPr>
           <p:spPr>
             <a:xfrm>
-              <a:off x="9364710" y="1407846"/>
-              <a:ext cx="0" cy="5507419"/>
-            </a:xfrm>
-            <a:custGeom>
-              <a:avLst/>
-              <a:pathLst>
-                <a:path w="0" h="5507419">
-                  <a:moveTo>
-                    <a:pt x="0" y="5507419"/>
+              <a:off x="9362379" y="1392990"/>
+              <a:ext cx="0" cy="5534432"/>
+            </a:xfrm>
+            <a:custGeom>
+              <a:avLst/>
+              <a:pathLst>
+                <a:path w="0" h="5534432">
+                  <a:moveTo>
+                    <a:pt x="0" y="5534432"/>
                   </a:moveTo>
                   <a:lnTo>
                     <a:pt x="0" y="0"/>
@@ -3090,18 +3090,18 @@
           </p:nvSpPr>
           <p:spPr>
             <a:xfrm>
-              <a:off x="1823494" y="3960015"/>
-              <a:ext cx="520083" cy="0"/>
-            </a:xfrm>
-            <a:custGeom>
-              <a:avLst/>
-              <a:pathLst>
-                <a:path w="520083" h="0">
-                  <a:moveTo>
-                    <a:pt x="0" y="0"/>
-                  </a:moveTo>
-                  <a:lnTo>
-                    <a:pt x="520083" y="0"/>
+              <a:off x="1792998" y="3957676"/>
+              <a:ext cx="522026" cy="0"/>
+            </a:xfrm>
+            <a:custGeom>
+              <a:avLst/>
+              <a:pathLst>
+                <a:path w="522026" h="0">
+                  <a:moveTo>
+                    <a:pt x="0" y="0"/>
+                  </a:moveTo>
+                  <a:lnTo>
+                    <a:pt x="522026" y="0"/>
                   </a:lnTo>
                 </a:path>
               </a:pathLst>
@@ -3130,18 +3130,18 @@
           </p:nvSpPr>
           <p:spPr>
             <a:xfrm>
-              <a:off x="2083536" y="3960015"/>
-              <a:ext cx="0" cy="2664810"/>
-            </a:xfrm>
-            <a:custGeom>
-              <a:avLst/>
-              <a:pathLst>
-                <a:path w="0" h="2664810">
-                  <a:moveTo>
-                    <a:pt x="0" y="0"/>
-                  </a:moveTo>
-                  <a:lnTo>
-                    <a:pt x="0" y="2664810"/>
+              <a:off x="2054011" y="3957676"/>
+              <a:ext cx="0" cy="2677880"/>
+            </a:xfrm>
+            <a:custGeom>
+              <a:avLst/>
+              <a:pathLst>
+                <a:path w="0" h="2677880">
+                  <a:moveTo>
+                    <a:pt x="0" y="0"/>
+                  </a:moveTo>
+                  <a:lnTo>
+                    <a:pt x="0" y="2677880"/>
                   </a:lnTo>
                 </a:path>
               </a:pathLst>
@@ -3170,18 +3170,18 @@
           </p:nvSpPr>
           <p:spPr>
             <a:xfrm>
-              <a:off x="1823494" y="6624826"/>
-              <a:ext cx="520083" cy="0"/>
-            </a:xfrm>
-            <a:custGeom>
-              <a:avLst/>
-              <a:pathLst>
-                <a:path w="520083" h="0">
-                  <a:moveTo>
-                    <a:pt x="0" y="0"/>
-                  </a:moveTo>
-                  <a:lnTo>
-                    <a:pt x="520083" y="0"/>
+              <a:off x="1792998" y="6635557"/>
+              <a:ext cx="522026" cy="0"/>
+            </a:xfrm>
+            <a:custGeom>
+              <a:avLst/>
+              <a:pathLst>
+                <a:path w="522026" h="0">
+                  <a:moveTo>
+                    <a:pt x="0" y="0"/>
+                  </a:moveTo>
+                  <a:lnTo>
+                    <a:pt x="522026" y="0"/>
                   </a:lnTo>
                 </a:path>
               </a:pathLst>
@@ -3210,18 +3210,18 @@
           </p:nvSpPr>
           <p:spPr>
             <a:xfrm>
-              <a:off x="2863662" y="2912091"/>
-              <a:ext cx="520083" cy="0"/>
-            </a:xfrm>
-            <a:custGeom>
-              <a:avLst/>
-              <a:pathLst>
-                <a:path w="520083" h="0">
-                  <a:moveTo>
-                    <a:pt x="0" y="0"/>
-                  </a:moveTo>
-                  <a:lnTo>
-                    <a:pt x="520083" y="0"/>
+              <a:off x="2837051" y="2904613"/>
+              <a:ext cx="522026" cy="0"/>
+            </a:xfrm>
+            <a:custGeom>
+              <a:avLst/>
+              <a:pathLst>
+                <a:path w="522026" h="0">
+                  <a:moveTo>
+                    <a:pt x="0" y="0"/>
+                  </a:moveTo>
+                  <a:lnTo>
+                    <a:pt x="522026" y="0"/>
                   </a:lnTo>
                 </a:path>
               </a:pathLst>
@@ -3250,18 +3250,18 @@
           </p:nvSpPr>
           <p:spPr>
             <a:xfrm>
-              <a:off x="3123704" y="2912091"/>
-              <a:ext cx="0" cy="2694432"/>
-            </a:xfrm>
-            <a:custGeom>
-              <a:avLst/>
-              <a:pathLst>
-                <a:path w="0" h="2694432">
-                  <a:moveTo>
-                    <a:pt x="0" y="0"/>
-                  </a:moveTo>
-                  <a:lnTo>
-                    <a:pt x="0" y="2694432"/>
+              <a:off x="3098064" y="2904613"/>
+              <a:ext cx="0" cy="2707647"/>
+            </a:xfrm>
+            <a:custGeom>
+              <a:avLst/>
+              <a:pathLst>
+                <a:path w="0" h="2707647">
+                  <a:moveTo>
+                    <a:pt x="0" y="0"/>
+                  </a:moveTo>
+                  <a:lnTo>
+                    <a:pt x="0" y="2707647"/>
                   </a:lnTo>
                 </a:path>
               </a:pathLst>
@@ -3290,18 +3290,18 @@
           </p:nvSpPr>
           <p:spPr>
             <a:xfrm>
-              <a:off x="2863662" y="5606524"/>
-              <a:ext cx="520083" cy="0"/>
-            </a:xfrm>
-            <a:custGeom>
-              <a:avLst/>
-              <a:pathLst>
-                <a:path w="520083" h="0">
-                  <a:moveTo>
-                    <a:pt x="0" y="0"/>
-                  </a:moveTo>
-                  <a:lnTo>
-                    <a:pt x="520083" y="0"/>
+              <a:off x="2837051" y="5612260"/>
+              <a:ext cx="522026" cy="0"/>
+            </a:xfrm>
+            <a:custGeom>
+              <a:avLst/>
+              <a:pathLst>
+                <a:path w="522026" h="0">
+                  <a:moveTo>
+                    <a:pt x="0" y="0"/>
+                  </a:moveTo>
+                  <a:lnTo>
+                    <a:pt x="522026" y="0"/>
                   </a:lnTo>
                 </a:path>
               </a:pathLst>
@@ -3330,18 +3330,18 @@
           </p:nvSpPr>
           <p:spPr>
             <a:xfrm>
-              <a:off x="3903829" y="4607362"/>
-              <a:ext cx="520083" cy="0"/>
-            </a:xfrm>
-            <a:custGeom>
-              <a:avLst/>
-              <a:pathLst>
-                <a:path w="520083" h="0">
-                  <a:moveTo>
-                    <a:pt x="0" y="0"/>
-                  </a:moveTo>
-                  <a:lnTo>
-                    <a:pt x="520083" y="0"/>
+              <a:off x="3881103" y="4608198"/>
+              <a:ext cx="522026" cy="0"/>
+            </a:xfrm>
+            <a:custGeom>
+              <a:avLst/>
+              <a:pathLst>
+                <a:path w="522026" h="0">
+                  <a:moveTo>
+                    <a:pt x="0" y="0"/>
+                  </a:moveTo>
+                  <a:lnTo>
+                    <a:pt x="522026" y="0"/>
                   </a:lnTo>
                 </a:path>
               </a:pathLst>
@@ -3370,18 +3370,18 @@
           </p:nvSpPr>
           <p:spPr>
             <a:xfrm>
-              <a:off x="4163871" y="4607362"/>
-              <a:ext cx="0" cy="218972"/>
-            </a:xfrm>
-            <a:custGeom>
-              <a:avLst/>
-              <a:pathLst>
-                <a:path w="0" h="218972">
-                  <a:moveTo>
-                    <a:pt x="0" y="0"/>
-                  </a:moveTo>
-                  <a:lnTo>
-                    <a:pt x="0" y="218972"/>
+              <a:off x="4142116" y="4608198"/>
+              <a:ext cx="0" cy="220046"/>
+            </a:xfrm>
+            <a:custGeom>
+              <a:avLst/>
+              <a:pathLst>
+                <a:path w="0" h="220046">
+                  <a:moveTo>
+                    <a:pt x="0" y="0"/>
+                  </a:moveTo>
+                  <a:lnTo>
+                    <a:pt x="0" y="220046"/>
                   </a:lnTo>
                 </a:path>
               </a:pathLst>
@@ -3410,18 +3410,18 @@
           </p:nvSpPr>
           <p:spPr>
             <a:xfrm>
-              <a:off x="3903829" y="4826335"/>
-              <a:ext cx="520083" cy="0"/>
-            </a:xfrm>
-            <a:custGeom>
-              <a:avLst/>
-              <a:pathLst>
-                <a:path w="520083" h="0">
-                  <a:moveTo>
-                    <a:pt x="0" y="0"/>
-                  </a:moveTo>
-                  <a:lnTo>
-                    <a:pt x="520083" y="0"/>
+              <a:off x="3881103" y="4828245"/>
+              <a:ext cx="522026" cy="0"/>
+            </a:xfrm>
+            <a:custGeom>
+              <a:avLst/>
+              <a:pathLst>
+                <a:path w="522026" h="0">
+                  <a:moveTo>
+                    <a:pt x="0" y="0"/>
+                  </a:moveTo>
+                  <a:lnTo>
+                    <a:pt x="522026" y="0"/>
                   </a:lnTo>
                 </a:path>
               </a:pathLst>
@@ -3450,18 +3450,18 @@
           </p:nvSpPr>
           <p:spPr>
             <a:xfrm>
-              <a:off x="4943997" y="4194938"/>
-              <a:ext cx="520083" cy="0"/>
-            </a:xfrm>
-            <a:custGeom>
-              <a:avLst/>
-              <a:pathLst>
-                <a:path w="520083" h="0">
-                  <a:moveTo>
-                    <a:pt x="0" y="0"/>
-                  </a:moveTo>
-                  <a:lnTo>
-                    <a:pt x="520083" y="0"/>
+              <a:off x="4925156" y="4193751"/>
+              <a:ext cx="522026" cy="0"/>
+            </a:xfrm>
+            <a:custGeom>
+              <a:avLst/>
+              <a:pathLst>
+                <a:path w="522026" h="0">
+                  <a:moveTo>
+                    <a:pt x="0" y="0"/>
+                  </a:moveTo>
+                  <a:lnTo>
+                    <a:pt x="522026" y="0"/>
                   </a:lnTo>
                 </a:path>
               </a:pathLst>
@@ -3490,18 +3490,18 @@
           </p:nvSpPr>
           <p:spPr>
             <a:xfrm>
-              <a:off x="5204039" y="4194938"/>
-              <a:ext cx="0" cy="1548985"/>
-            </a:xfrm>
-            <a:custGeom>
-              <a:avLst/>
-              <a:pathLst>
-                <a:path w="0" h="1548985">
-                  <a:moveTo>
-                    <a:pt x="0" y="0"/>
-                  </a:moveTo>
-                  <a:lnTo>
-                    <a:pt x="0" y="1548985"/>
+              <a:off x="5186169" y="4193751"/>
+              <a:ext cx="0" cy="1556582"/>
+            </a:xfrm>
+            <a:custGeom>
+              <a:avLst/>
+              <a:pathLst>
+                <a:path w="0" h="1556582">
+                  <a:moveTo>
+                    <a:pt x="0" y="0"/>
+                  </a:moveTo>
+                  <a:lnTo>
+                    <a:pt x="0" y="1556582"/>
                   </a:lnTo>
                 </a:path>
               </a:pathLst>
@@ -3530,18 +3530,18 @@
           </p:nvSpPr>
           <p:spPr>
             <a:xfrm>
-              <a:off x="4943997" y="5743923"/>
-              <a:ext cx="520083" cy="0"/>
-            </a:xfrm>
-            <a:custGeom>
-              <a:avLst/>
-              <a:pathLst>
-                <a:path w="520083" h="0">
-                  <a:moveTo>
-                    <a:pt x="0" y="0"/>
-                  </a:moveTo>
-                  <a:lnTo>
-                    <a:pt x="520083" y="0"/>
+              <a:off x="4925156" y="5750333"/>
+              <a:ext cx="522026" cy="0"/>
+            </a:xfrm>
+            <a:custGeom>
+              <a:avLst/>
+              <a:pathLst>
+                <a:path w="522026" h="0">
+                  <a:moveTo>
+                    <a:pt x="0" y="0"/>
+                  </a:moveTo>
+                  <a:lnTo>
+                    <a:pt x="522026" y="0"/>
                   </a:lnTo>
                 </a:path>
               </a:pathLst>
@@ -3570,18 +3570,18 @@
           </p:nvSpPr>
           <p:spPr>
             <a:xfrm>
-              <a:off x="5984165" y="3371911"/>
-              <a:ext cx="520083" cy="0"/>
-            </a:xfrm>
-            <a:custGeom>
-              <a:avLst/>
-              <a:pathLst>
-                <a:path w="520083" h="0">
-                  <a:moveTo>
-                    <a:pt x="0" y="0"/>
-                  </a:moveTo>
-                  <a:lnTo>
-                    <a:pt x="520083" y="0"/>
+              <a:off x="5969208" y="3366687"/>
+              <a:ext cx="522026" cy="0"/>
+            </a:xfrm>
+            <a:custGeom>
+              <a:avLst/>
+              <a:pathLst>
+                <a:path w="522026" h="0">
+                  <a:moveTo>
+                    <a:pt x="0" y="0"/>
+                  </a:moveTo>
+                  <a:lnTo>
+                    <a:pt x="522026" y="0"/>
                   </a:lnTo>
                 </a:path>
               </a:pathLst>
@@ -3610,18 +3610,18 @@
           </p:nvSpPr>
           <p:spPr>
             <a:xfrm>
-              <a:off x="6244207" y="3371911"/>
-              <a:ext cx="0" cy="3293017"/>
-            </a:xfrm>
-            <a:custGeom>
-              <a:avLst/>
-              <a:pathLst>
-                <a:path w="0" h="3293017">
-                  <a:moveTo>
-                    <a:pt x="0" y="0"/>
-                  </a:moveTo>
-                  <a:lnTo>
-                    <a:pt x="0" y="3293017"/>
+              <a:off x="6230221" y="3366687"/>
+              <a:ext cx="0" cy="3309169"/>
+            </a:xfrm>
+            <a:custGeom>
+              <a:avLst/>
+              <a:pathLst>
+                <a:path w="0" h="3309169">
+                  <a:moveTo>
+                    <a:pt x="0" y="0"/>
+                  </a:moveTo>
+                  <a:lnTo>
+                    <a:pt x="0" y="3309169"/>
                   </a:lnTo>
                 </a:path>
               </a:pathLst>
@@ -3650,18 +3650,18 @@
           </p:nvSpPr>
           <p:spPr>
             <a:xfrm>
-              <a:off x="5984165" y="6664929"/>
-              <a:ext cx="520083" cy="0"/>
-            </a:xfrm>
-            <a:custGeom>
-              <a:avLst/>
-              <a:pathLst>
-                <a:path w="520083" h="0">
-                  <a:moveTo>
-                    <a:pt x="0" y="0"/>
-                  </a:moveTo>
-                  <a:lnTo>
-                    <a:pt x="520083" y="0"/>
+              <a:off x="5969208" y="6675857"/>
+              <a:ext cx="522026" cy="0"/>
+            </a:xfrm>
+            <a:custGeom>
+              <a:avLst/>
+              <a:pathLst>
+                <a:path w="522026" h="0">
+                  <a:moveTo>
+                    <a:pt x="0" y="0"/>
+                  </a:moveTo>
+                  <a:lnTo>
+                    <a:pt x="522026" y="0"/>
                   </a:lnTo>
                 </a:path>
               </a:pathLst>
@@ -3690,18 +3690,18 @@
           </p:nvSpPr>
           <p:spPr>
             <a:xfrm>
-              <a:off x="7024333" y="4018347"/>
-              <a:ext cx="520083" cy="0"/>
-            </a:xfrm>
-            <a:custGeom>
-              <a:avLst/>
-              <a:pathLst>
-                <a:path w="520083" h="0">
-                  <a:moveTo>
-                    <a:pt x="0" y="0"/>
-                  </a:moveTo>
-                  <a:lnTo>
-                    <a:pt x="520083" y="0"/>
+              <a:off x="7013261" y="4016294"/>
+              <a:ext cx="522026" cy="0"/>
+            </a:xfrm>
+            <a:custGeom>
+              <a:avLst/>
+              <a:pathLst>
+                <a:path w="522026" h="0">
+                  <a:moveTo>
+                    <a:pt x="0" y="0"/>
+                  </a:moveTo>
+                  <a:lnTo>
+                    <a:pt x="522026" y="0"/>
                   </a:lnTo>
                 </a:path>
               </a:pathLst>
@@ -3730,18 +3730,18 @@
           </p:nvSpPr>
           <p:spPr>
             <a:xfrm>
-              <a:off x="7284374" y="4018347"/>
-              <a:ext cx="0" cy="802747"/>
-            </a:xfrm>
-            <a:custGeom>
-              <a:avLst/>
-              <a:pathLst>
-                <a:path w="0" h="802747">
-                  <a:moveTo>
-                    <a:pt x="0" y="0"/>
-                  </a:moveTo>
-                  <a:lnTo>
-                    <a:pt x="0" y="802747"/>
+              <a:off x="7274274" y="4016294"/>
+              <a:ext cx="0" cy="806684"/>
+            </a:xfrm>
+            <a:custGeom>
+              <a:avLst/>
+              <a:pathLst>
+                <a:path w="0" h="806684">
+                  <a:moveTo>
+                    <a:pt x="0" y="0"/>
+                  </a:moveTo>
+                  <a:lnTo>
+                    <a:pt x="0" y="806684"/>
                   </a:lnTo>
                 </a:path>
               </a:pathLst>
@@ -3770,18 +3770,18 @@
           </p:nvSpPr>
           <p:spPr>
             <a:xfrm>
-              <a:off x="7024333" y="4821094"/>
-              <a:ext cx="520083" cy="0"/>
-            </a:xfrm>
-            <a:custGeom>
-              <a:avLst/>
-              <a:pathLst>
-                <a:path w="520083" h="0">
-                  <a:moveTo>
-                    <a:pt x="0" y="0"/>
-                  </a:moveTo>
-                  <a:lnTo>
-                    <a:pt x="520083" y="0"/>
+              <a:off x="7013261" y="4822978"/>
+              <a:ext cx="522026" cy="0"/>
+            </a:xfrm>
+            <a:custGeom>
+              <a:avLst/>
+              <a:pathLst>
+                <a:path w="522026" h="0">
+                  <a:moveTo>
+                    <a:pt x="0" y="0"/>
+                  </a:moveTo>
+                  <a:lnTo>
+                    <a:pt x="522026" y="0"/>
                   </a:lnTo>
                 </a:path>
               </a:pathLst>
@@ -3810,18 +3810,18 @@
           </p:nvSpPr>
           <p:spPr>
             <a:xfrm>
-              <a:off x="8064500" y="1934576"/>
-              <a:ext cx="520083" cy="0"/>
-            </a:xfrm>
-            <a:custGeom>
-              <a:avLst/>
-              <a:pathLst>
-                <a:path w="520083" h="0">
-                  <a:moveTo>
-                    <a:pt x="0" y="0"/>
-                  </a:moveTo>
-                  <a:lnTo>
-                    <a:pt x="520083" y="0"/>
+              <a:off x="8057313" y="1922303"/>
+              <a:ext cx="522026" cy="0"/>
+            </a:xfrm>
+            <a:custGeom>
+              <a:avLst/>
+              <a:pathLst>
+                <a:path w="522026" h="0">
+                  <a:moveTo>
+                    <a:pt x="0" y="0"/>
+                  </a:moveTo>
+                  <a:lnTo>
+                    <a:pt x="522026" y="0"/>
                   </a:lnTo>
                 </a:path>
               </a:pathLst>
@@ -3850,18 +3850,18 @@
           </p:nvSpPr>
           <p:spPr>
             <a:xfrm>
-              <a:off x="8324542" y="1934576"/>
-              <a:ext cx="0" cy="3886362"/>
-            </a:xfrm>
-            <a:custGeom>
-              <a:avLst/>
-              <a:pathLst>
-                <a:path w="0" h="3886362">
-                  <a:moveTo>
-                    <a:pt x="0" y="0"/>
-                  </a:moveTo>
-                  <a:lnTo>
-                    <a:pt x="0" y="3886362"/>
+              <a:off x="8318326" y="1922303"/>
+              <a:ext cx="0" cy="3905424"/>
+            </a:xfrm>
+            <a:custGeom>
+              <a:avLst/>
+              <a:pathLst>
+                <a:path w="0" h="3905424">
+                  <a:moveTo>
+                    <a:pt x="0" y="0"/>
+                  </a:moveTo>
+                  <a:lnTo>
+                    <a:pt x="0" y="3905424"/>
                   </a:lnTo>
                 </a:path>
               </a:pathLst>
@@ -3890,18 +3890,18 @@
           </p:nvSpPr>
           <p:spPr>
             <a:xfrm>
-              <a:off x="8064500" y="5820939"/>
-              <a:ext cx="520083" cy="0"/>
-            </a:xfrm>
-            <a:custGeom>
-              <a:avLst/>
-              <a:pathLst>
-                <a:path w="520083" h="0">
-                  <a:moveTo>
-                    <a:pt x="0" y="0"/>
-                  </a:moveTo>
-                  <a:lnTo>
-                    <a:pt x="520083" y="0"/>
+              <a:off x="8057313" y="5827727"/>
+              <a:ext cx="522026" cy="0"/>
+            </a:xfrm>
+            <a:custGeom>
+              <a:avLst/>
+              <a:pathLst>
+                <a:path w="522026" h="0">
+                  <a:moveTo>
+                    <a:pt x="0" y="0"/>
+                  </a:moveTo>
+                  <a:lnTo>
+                    <a:pt x="522026" y="0"/>
                   </a:lnTo>
                 </a:path>
               </a:pathLst>
@@ -3930,18 +3930,18 @@
           </p:nvSpPr>
           <p:spPr>
             <a:xfrm>
-              <a:off x="9104668" y="1658184"/>
-              <a:ext cx="520083" cy="0"/>
-            </a:xfrm>
-            <a:custGeom>
-              <a:avLst/>
-              <a:pathLst>
-                <a:path w="520083" h="0">
-                  <a:moveTo>
-                    <a:pt x="0" y="0"/>
-                  </a:moveTo>
-                  <a:lnTo>
-                    <a:pt x="520083" y="0"/>
+              <a:off x="9101366" y="1644555"/>
+              <a:ext cx="522026" cy="0"/>
+            </a:xfrm>
+            <a:custGeom>
+              <a:avLst/>
+              <a:pathLst>
+                <a:path w="522026" h="0">
+                  <a:moveTo>
+                    <a:pt x="0" y="0"/>
+                  </a:moveTo>
+                  <a:lnTo>
+                    <a:pt x="522026" y="0"/>
                   </a:lnTo>
                 </a:path>
               </a:pathLst>
@@ -3970,18 +3970,18 @@
           </p:nvSpPr>
           <p:spPr>
             <a:xfrm>
-              <a:off x="9364710" y="1658184"/>
-              <a:ext cx="0" cy="1962777"/>
-            </a:xfrm>
-            <a:custGeom>
-              <a:avLst/>
-              <a:pathLst>
-                <a:path w="0" h="1962777">
-                  <a:moveTo>
-                    <a:pt x="0" y="0"/>
-                  </a:moveTo>
-                  <a:lnTo>
-                    <a:pt x="0" y="1962777"/>
+              <a:off x="9362379" y="1644555"/>
+              <a:ext cx="0" cy="1972404"/>
+            </a:xfrm>
+            <a:custGeom>
+              <a:avLst/>
+              <a:pathLst>
+                <a:path w="0" h="1972404">
+                  <a:moveTo>
+                    <a:pt x="0" y="0"/>
+                  </a:moveTo>
+                  <a:lnTo>
+                    <a:pt x="0" y="1972404"/>
                   </a:lnTo>
                 </a:path>
               </a:pathLst>
@@ -4010,18 +4010,18 @@
           </p:nvSpPr>
           <p:spPr>
             <a:xfrm>
-              <a:off x="9104668" y="3620961"/>
-              <a:ext cx="520083" cy="0"/>
-            </a:xfrm>
-            <a:custGeom>
-              <a:avLst/>
-              <a:pathLst>
-                <a:path w="520083" h="0">
-                  <a:moveTo>
-                    <a:pt x="0" y="0"/>
-                  </a:moveTo>
-                  <a:lnTo>
-                    <a:pt x="520083" y="0"/>
+              <a:off x="9101366" y="3616959"/>
+              <a:ext cx="522026" cy="0"/>
+            </a:xfrm>
+            <a:custGeom>
+              <a:avLst/>
+              <a:pathLst>
+                <a:path w="522026" h="0">
+                  <a:moveTo>
+                    <a:pt x="0" y="0"/>
+                  </a:moveTo>
+                  <a:lnTo>
+                    <a:pt x="522026" y="0"/>
                   </a:lnTo>
                 </a:path>
               </a:pathLst>
@@ -4050,15 +4050,15 @@
           </p:nvSpPr>
           <p:spPr>
             <a:xfrm>
-              <a:off x="2083536" y="3960015"/>
-              <a:ext cx="0" cy="1296061"/>
-            </a:xfrm>
-            <a:custGeom>
-              <a:avLst/>
-              <a:pathLst>
-                <a:path w="0" h="1296061">
-                  <a:moveTo>
-                    <a:pt x="0" y="1296061"/>
+              <a:off x="2054011" y="3957676"/>
+              <a:ext cx="0" cy="1302418"/>
+            </a:xfrm>
+            <a:custGeom>
+              <a:avLst/>
+              <a:pathLst>
+                <a:path w="0" h="1302418">
+                  <a:moveTo>
+                    <a:pt x="0" y="1302418"/>
                   </a:moveTo>
                   <a:lnTo>
                     <a:pt x="0" y="0"/>
@@ -4090,18 +4090,18 @@
           </p:nvSpPr>
           <p:spPr>
             <a:xfrm>
-              <a:off x="2083536" y="6162557"/>
-              <a:ext cx="0" cy="462268"/>
-            </a:xfrm>
-            <a:custGeom>
-              <a:avLst/>
-              <a:pathLst>
-                <a:path w="0" h="462268">
-                  <a:moveTo>
-                    <a:pt x="0" y="0"/>
-                  </a:moveTo>
-                  <a:lnTo>
-                    <a:pt x="0" y="462268"/>
+              <a:off x="2054011" y="6171020"/>
+              <a:ext cx="0" cy="464536"/>
+            </a:xfrm>
+            <a:custGeom>
+              <a:avLst/>
+              <a:pathLst>
+                <a:path w="0" h="464536">
+                  <a:moveTo>
+                    <a:pt x="0" y="0"/>
+                  </a:moveTo>
+                  <a:lnTo>
+                    <a:pt x="0" y="464536"/>
                   </a:lnTo>
                 </a:path>
               </a:pathLst>
@@ -4130,24 +4130,24 @@
           </p:nvSpPr>
           <p:spPr>
             <a:xfrm>
-              <a:off x="1693473" y="5256077"/>
-              <a:ext cx="780125" cy="906479"/>
-            </a:xfrm>
-            <a:custGeom>
-              <a:avLst/>
-              <a:pathLst>
-                <a:path w="780125" h="906479">
-                  <a:moveTo>
-                    <a:pt x="0" y="0"/>
-                  </a:moveTo>
-                  <a:lnTo>
-                    <a:pt x="0" y="906479"/>
-                  </a:lnTo>
-                  <a:lnTo>
-                    <a:pt x="780125" y="906479"/>
-                  </a:lnTo>
-                  <a:lnTo>
-                    <a:pt x="780125" y="0"/>
+              <a:off x="1662492" y="5260094"/>
+              <a:ext cx="783039" cy="910925"/>
+            </a:xfrm>
+            <a:custGeom>
+              <a:avLst/>
+              <a:pathLst>
+                <a:path w="783039" h="910925">
+                  <a:moveTo>
+                    <a:pt x="0" y="0"/>
+                  </a:moveTo>
+                  <a:lnTo>
+                    <a:pt x="0" y="910925"/>
+                  </a:lnTo>
+                  <a:lnTo>
+                    <a:pt x="783039" y="910925"/>
+                  </a:lnTo>
+                  <a:lnTo>
+                    <a:pt x="783039" y="0"/>
                   </a:lnTo>
                   <a:close/>
                 </a:path>
@@ -4182,18 +4182,18 @@
           </p:nvSpPr>
           <p:spPr>
             <a:xfrm>
-              <a:off x="1693473" y="5897044"/>
-              <a:ext cx="780125" cy="0"/>
-            </a:xfrm>
-            <a:custGeom>
-              <a:avLst/>
-              <a:pathLst>
-                <a:path w="780125" h="0">
-                  <a:moveTo>
-                    <a:pt x="0" y="0"/>
-                  </a:moveTo>
-                  <a:lnTo>
-                    <a:pt x="780125" y="0"/>
+              <a:off x="1662492" y="5904206"/>
+              <a:ext cx="783039" cy="0"/>
+            </a:xfrm>
+            <a:custGeom>
+              <a:avLst/>
+              <a:pathLst>
+                <a:path w="783039" h="0">
+                  <a:moveTo>
+                    <a:pt x="0" y="0"/>
+                  </a:moveTo>
+                  <a:lnTo>
+                    <a:pt x="783039" y="0"/>
                   </a:lnTo>
                 </a:path>
               </a:pathLst>
@@ -4222,15 +4222,15 @@
           </p:nvSpPr>
           <p:spPr>
             <a:xfrm>
-              <a:off x="3123704" y="2912091"/>
-              <a:ext cx="0" cy="295931"/>
-            </a:xfrm>
-            <a:custGeom>
-              <a:avLst/>
-              <a:pathLst>
-                <a:path w="0" h="295931">
-                  <a:moveTo>
-                    <a:pt x="0" y="295931"/>
+              <a:off x="3098064" y="2904613"/>
+              <a:ext cx="0" cy="297383"/>
+            </a:xfrm>
+            <a:custGeom>
+              <a:avLst/>
+              <a:pathLst>
+                <a:path w="0" h="297383">
+                  <a:moveTo>
+                    <a:pt x="0" y="297383"/>
                   </a:moveTo>
                   <a:lnTo>
                     <a:pt x="0" y="0"/>
@@ -4262,18 +4262,18 @@
           </p:nvSpPr>
           <p:spPr>
             <a:xfrm>
-              <a:off x="3123704" y="4169930"/>
-              <a:ext cx="0" cy="1436593"/>
-            </a:xfrm>
-            <a:custGeom>
-              <a:avLst/>
-              <a:pathLst>
-                <a:path w="0" h="1436593">
-                  <a:moveTo>
-                    <a:pt x="0" y="0"/>
-                  </a:moveTo>
-                  <a:lnTo>
-                    <a:pt x="0" y="1436593"/>
+              <a:off x="3098064" y="4168620"/>
+              <a:ext cx="0" cy="1443639"/>
+            </a:xfrm>
+            <a:custGeom>
+              <a:avLst/>
+              <a:pathLst>
+                <a:path w="0" h="1443639">
+                  <a:moveTo>
+                    <a:pt x="0" y="0"/>
+                  </a:moveTo>
+                  <a:lnTo>
+                    <a:pt x="0" y="1443639"/>
                   </a:lnTo>
                 </a:path>
               </a:pathLst>
@@ -4302,24 +4302,24 @@
           </p:nvSpPr>
           <p:spPr>
             <a:xfrm>
-              <a:off x="2733641" y="3208023"/>
-              <a:ext cx="780125" cy="961906"/>
-            </a:xfrm>
-            <a:custGeom>
-              <a:avLst/>
-              <a:pathLst>
-                <a:path w="780125" h="961906">
-                  <a:moveTo>
-                    <a:pt x="0" y="0"/>
-                  </a:moveTo>
-                  <a:lnTo>
-                    <a:pt x="0" y="961906"/>
-                  </a:lnTo>
-                  <a:lnTo>
-                    <a:pt x="780125" y="961906"/>
-                  </a:lnTo>
-                  <a:lnTo>
-                    <a:pt x="780125" y="0"/>
+              <a:off x="2706544" y="3201996"/>
+              <a:ext cx="783039" cy="966624"/>
+            </a:xfrm>
+            <a:custGeom>
+              <a:avLst/>
+              <a:pathLst>
+                <a:path w="783039" h="966624">
+                  <a:moveTo>
+                    <a:pt x="0" y="0"/>
+                  </a:moveTo>
+                  <a:lnTo>
+                    <a:pt x="0" y="966624"/>
+                  </a:lnTo>
+                  <a:lnTo>
+                    <a:pt x="783039" y="966624"/>
+                  </a:lnTo>
+                  <a:lnTo>
+                    <a:pt x="783039" y="0"/>
                   </a:lnTo>
                   <a:close/>
                 </a:path>
@@ -4354,18 +4354,18 @@
           </p:nvSpPr>
           <p:spPr>
             <a:xfrm>
-              <a:off x="2733641" y="3370088"/>
-              <a:ext cx="780125" cy="0"/>
-            </a:xfrm>
-            <a:custGeom>
-              <a:avLst/>
-              <a:pathLst>
-                <a:path w="780125" h="0">
-                  <a:moveTo>
-                    <a:pt x="0" y="0"/>
-                  </a:moveTo>
-                  <a:lnTo>
-                    <a:pt x="780125" y="0"/>
+              <a:off x="2706544" y="3364855"/>
+              <a:ext cx="783039" cy="0"/>
+            </a:xfrm>
+            <a:custGeom>
+              <a:avLst/>
+              <a:pathLst>
+                <a:path w="783039" h="0">
+                  <a:moveTo>
+                    <a:pt x="0" y="0"/>
+                  </a:moveTo>
+                  <a:lnTo>
+                    <a:pt x="783039" y="0"/>
                   </a:lnTo>
                 </a:path>
               </a:pathLst>
@@ -4394,15 +4394,15 @@
           </p:nvSpPr>
           <p:spPr>
             <a:xfrm>
-              <a:off x="4163871" y="4607362"/>
-              <a:ext cx="0" cy="22558"/>
-            </a:xfrm>
-            <a:custGeom>
-              <a:avLst/>
-              <a:pathLst>
-                <a:path w="0" h="22558">
-                  <a:moveTo>
-                    <a:pt x="0" y="22558"/>
+              <a:off x="4142116" y="4608198"/>
+              <a:ext cx="0" cy="22668"/>
+            </a:xfrm>
+            <a:custGeom>
+              <a:avLst/>
+              <a:pathLst>
+                <a:path w="0" h="22668">
+                  <a:moveTo>
+                    <a:pt x="0" y="22668"/>
                   </a:moveTo>
                   <a:lnTo>
                     <a:pt x="0" y="0"/>
@@ -4434,18 +4434,18 @@
           </p:nvSpPr>
           <p:spPr>
             <a:xfrm>
-              <a:off x="4163871" y="4762534"/>
-              <a:ext cx="0" cy="63800"/>
-            </a:xfrm>
-            <a:custGeom>
-              <a:avLst/>
-              <a:pathLst>
-                <a:path w="0" h="63800">
-                  <a:moveTo>
-                    <a:pt x="0" y="0"/>
-                  </a:moveTo>
-                  <a:lnTo>
-                    <a:pt x="0" y="63800"/>
+              <a:off x="4142116" y="4764131"/>
+              <a:ext cx="0" cy="64113"/>
+            </a:xfrm>
+            <a:custGeom>
+              <a:avLst/>
+              <a:pathLst>
+                <a:path w="0" h="64113">
+                  <a:moveTo>
+                    <a:pt x="0" y="0"/>
+                  </a:moveTo>
+                  <a:lnTo>
+                    <a:pt x="0" y="64113"/>
                   </a:lnTo>
                 </a:path>
               </a:pathLst>
@@ -4474,24 +4474,24 @@
           </p:nvSpPr>
           <p:spPr>
             <a:xfrm>
-              <a:off x="3773809" y="4629920"/>
-              <a:ext cx="780125" cy="132613"/>
-            </a:xfrm>
-            <a:custGeom>
-              <a:avLst/>
-              <a:pathLst>
-                <a:path w="780125" h="132613">
-                  <a:moveTo>
-                    <a:pt x="0" y="0"/>
-                  </a:moveTo>
-                  <a:lnTo>
-                    <a:pt x="0" y="132613"/>
-                  </a:lnTo>
-                  <a:lnTo>
-                    <a:pt x="780125" y="132613"/>
-                  </a:lnTo>
-                  <a:lnTo>
-                    <a:pt x="780125" y="0"/>
+              <a:off x="3750597" y="4630867"/>
+              <a:ext cx="783039" cy="133264"/>
+            </a:xfrm>
+            <a:custGeom>
+              <a:avLst/>
+              <a:pathLst>
+                <a:path w="783039" h="133264">
+                  <a:moveTo>
+                    <a:pt x="0" y="0"/>
+                  </a:moveTo>
+                  <a:lnTo>
+                    <a:pt x="0" y="133264"/>
+                  </a:lnTo>
+                  <a:lnTo>
+                    <a:pt x="783039" y="133264"/>
+                  </a:lnTo>
+                  <a:lnTo>
+                    <a:pt x="783039" y="0"/>
                   </a:lnTo>
                   <a:close/>
                 </a:path>
@@ -4526,18 +4526,18 @@
           </p:nvSpPr>
           <p:spPr>
             <a:xfrm>
-              <a:off x="3773809" y="4660681"/>
-              <a:ext cx="780125" cy="0"/>
-            </a:xfrm>
-            <a:custGeom>
-              <a:avLst/>
-              <a:pathLst>
-                <a:path w="780125" h="0">
-                  <a:moveTo>
-                    <a:pt x="0" y="0"/>
-                  </a:moveTo>
-                  <a:lnTo>
-                    <a:pt x="780125" y="0"/>
+              <a:off x="3750597" y="4661779"/>
+              <a:ext cx="783039" cy="0"/>
+            </a:xfrm>
+            <a:custGeom>
+              <a:avLst/>
+              <a:pathLst>
+                <a:path w="783039" h="0">
+                  <a:moveTo>
+                    <a:pt x="0" y="0"/>
+                  </a:moveTo>
+                  <a:lnTo>
+                    <a:pt x="783039" y="0"/>
                   </a:lnTo>
                 </a:path>
               </a:pathLst>
@@ -4566,15 +4566,15 @@
           </p:nvSpPr>
           <p:spPr>
             <a:xfrm>
-              <a:off x="5204039" y="4194938"/>
-              <a:ext cx="0" cy="624846"/>
-            </a:xfrm>
-            <a:custGeom>
-              <a:avLst/>
-              <a:pathLst>
-                <a:path w="0" h="624846">
-                  <a:moveTo>
-                    <a:pt x="0" y="624846"/>
+              <a:off x="5186169" y="4193751"/>
+              <a:ext cx="0" cy="627910"/>
+            </a:xfrm>
+            <a:custGeom>
+              <a:avLst/>
+              <a:pathLst>
+                <a:path w="0" h="627910">
+                  <a:moveTo>
+                    <a:pt x="0" y="627910"/>
                   </a:moveTo>
                   <a:lnTo>
                     <a:pt x="0" y="0"/>
@@ -4606,18 +4606,18 @@
           </p:nvSpPr>
           <p:spPr>
             <a:xfrm>
-              <a:off x="5204039" y="5350410"/>
-              <a:ext cx="0" cy="393512"/>
-            </a:xfrm>
-            <a:custGeom>
-              <a:avLst/>
-              <a:pathLst>
-                <a:path w="0" h="393512">
-                  <a:moveTo>
-                    <a:pt x="0" y="0"/>
-                  </a:moveTo>
-                  <a:lnTo>
-                    <a:pt x="0" y="393512"/>
+              <a:off x="5186169" y="5354891"/>
+              <a:ext cx="0" cy="395442"/>
+            </a:xfrm>
+            <a:custGeom>
+              <a:avLst/>
+              <a:pathLst>
+                <a:path w="0" h="395442">
+                  <a:moveTo>
+                    <a:pt x="0" y="0"/>
+                  </a:moveTo>
+                  <a:lnTo>
+                    <a:pt x="0" y="395442"/>
                   </a:lnTo>
                 </a:path>
               </a:pathLst>
@@ -4646,24 +4646,24 @@
           </p:nvSpPr>
           <p:spPr>
             <a:xfrm>
-              <a:off x="4813976" y="4819784"/>
-              <a:ext cx="780125" cy="530626"/>
-            </a:xfrm>
-            <a:custGeom>
-              <a:avLst/>
-              <a:pathLst>
-                <a:path w="780125" h="530626">
-                  <a:moveTo>
-                    <a:pt x="0" y="0"/>
-                  </a:moveTo>
-                  <a:lnTo>
-                    <a:pt x="0" y="530626"/>
-                  </a:lnTo>
-                  <a:lnTo>
-                    <a:pt x="780125" y="530626"/>
-                  </a:lnTo>
-                  <a:lnTo>
-                    <a:pt x="780125" y="0"/>
+              <a:off x="4794649" y="4821662"/>
+              <a:ext cx="783039" cy="533229"/>
+            </a:xfrm>
+            <a:custGeom>
+              <a:avLst/>
+              <a:pathLst>
+                <a:path w="783039" h="533229">
+                  <a:moveTo>
+                    <a:pt x="0" y="0"/>
+                  </a:moveTo>
+                  <a:lnTo>
+                    <a:pt x="0" y="533229"/>
+                  </a:lnTo>
+                  <a:lnTo>
+                    <a:pt x="783039" y="533229"/>
+                  </a:lnTo>
+                  <a:lnTo>
+                    <a:pt x="783039" y="0"/>
                   </a:lnTo>
                   <a:close/>
                 </a:path>
@@ -4698,18 +4698,18 @@
           </p:nvSpPr>
           <p:spPr>
             <a:xfrm>
-              <a:off x="4813976" y="5111842"/>
-              <a:ext cx="780125" cy="0"/>
-            </a:xfrm>
-            <a:custGeom>
-              <a:avLst/>
-              <a:pathLst>
-                <a:path w="780125" h="0">
-                  <a:moveTo>
-                    <a:pt x="0" y="0"/>
-                  </a:moveTo>
-                  <a:lnTo>
-                    <a:pt x="780125" y="0"/>
+              <a:off x="4794649" y="5115152"/>
+              <a:ext cx="783039" cy="0"/>
+            </a:xfrm>
+            <a:custGeom>
+              <a:avLst/>
+              <a:pathLst>
+                <a:path w="783039" h="0">
+                  <a:moveTo>
+                    <a:pt x="0" y="0"/>
+                  </a:moveTo>
+                  <a:lnTo>
+                    <a:pt x="783039" y="0"/>
                   </a:lnTo>
                 </a:path>
               </a:pathLst>
@@ -4738,15 +4738,15 @@
           </p:nvSpPr>
           <p:spPr>
             <a:xfrm>
-              <a:off x="6244207" y="3371911"/>
-              <a:ext cx="0" cy="543671"/>
-            </a:xfrm>
-            <a:custGeom>
-              <a:avLst/>
-              <a:pathLst>
-                <a:path w="0" h="543671">
-                  <a:moveTo>
-                    <a:pt x="0" y="543671"/>
+              <a:off x="6230221" y="3366687"/>
+              <a:ext cx="0" cy="546338"/>
+            </a:xfrm>
+            <a:custGeom>
+              <a:avLst/>
+              <a:pathLst>
+                <a:path w="0" h="546338">
+                  <a:moveTo>
+                    <a:pt x="0" y="546338"/>
                   </a:moveTo>
                   <a:lnTo>
                     <a:pt x="0" y="0"/>
@@ -4778,18 +4778,18 @@
           </p:nvSpPr>
           <p:spPr>
             <a:xfrm>
-              <a:off x="6244207" y="6327356"/>
-              <a:ext cx="0" cy="337573"/>
-            </a:xfrm>
-            <a:custGeom>
-              <a:avLst/>
-              <a:pathLst>
-                <a:path w="0" h="337573">
-                  <a:moveTo>
-                    <a:pt x="0" y="0"/>
-                  </a:moveTo>
-                  <a:lnTo>
-                    <a:pt x="0" y="337573"/>
+              <a:off x="6230221" y="6336628"/>
+              <a:ext cx="0" cy="339228"/>
+            </a:xfrm>
+            <a:custGeom>
+              <a:avLst/>
+              <a:pathLst>
+                <a:path w="0" h="339228">
+                  <a:moveTo>
+                    <a:pt x="0" y="0"/>
+                  </a:moveTo>
+                  <a:lnTo>
+                    <a:pt x="0" y="339228"/>
                   </a:lnTo>
                 </a:path>
               </a:pathLst>
@@ -4818,24 +4818,24 @@
           </p:nvSpPr>
           <p:spPr>
             <a:xfrm>
-              <a:off x="5854144" y="3915582"/>
-              <a:ext cx="780125" cy="2411773"/>
-            </a:xfrm>
-            <a:custGeom>
-              <a:avLst/>
-              <a:pathLst>
-                <a:path w="780125" h="2411773">
-                  <a:moveTo>
-                    <a:pt x="0" y="0"/>
-                  </a:moveTo>
-                  <a:lnTo>
-                    <a:pt x="0" y="2411773"/>
-                  </a:lnTo>
-                  <a:lnTo>
-                    <a:pt x="780125" y="2411773"/>
-                  </a:lnTo>
-                  <a:lnTo>
-                    <a:pt x="780125" y="0"/>
+              <a:off x="5838702" y="3913025"/>
+              <a:ext cx="783039" cy="2423602"/>
+            </a:xfrm>
+            <a:custGeom>
+              <a:avLst/>
+              <a:pathLst>
+                <a:path w="783039" h="2423602">
+                  <a:moveTo>
+                    <a:pt x="0" y="0"/>
+                  </a:moveTo>
+                  <a:lnTo>
+                    <a:pt x="0" y="2423602"/>
+                  </a:lnTo>
+                  <a:lnTo>
+                    <a:pt x="783039" y="2423602"/>
+                  </a:lnTo>
+                  <a:lnTo>
+                    <a:pt x="783039" y="0"/>
                   </a:lnTo>
                   <a:close/>
                 </a:path>
@@ -4870,18 +4870,18 @@
           </p:nvSpPr>
           <p:spPr>
             <a:xfrm>
-              <a:off x="5854144" y="5677844"/>
-              <a:ext cx="780125" cy="0"/>
-            </a:xfrm>
-            <a:custGeom>
-              <a:avLst/>
-              <a:pathLst>
-                <a:path w="780125" h="0">
-                  <a:moveTo>
-                    <a:pt x="0" y="0"/>
-                  </a:moveTo>
-                  <a:lnTo>
-                    <a:pt x="780125" y="0"/>
+              <a:off x="5838702" y="5683930"/>
+              <a:ext cx="783039" cy="0"/>
+            </a:xfrm>
+            <a:custGeom>
+              <a:avLst/>
+              <a:pathLst>
+                <a:path w="783039" h="0">
+                  <a:moveTo>
+                    <a:pt x="0" y="0"/>
+                  </a:moveTo>
+                  <a:lnTo>
+                    <a:pt x="783039" y="0"/>
                   </a:lnTo>
                 </a:path>
               </a:pathLst>
@@ -4910,15 +4910,15 @@
           </p:nvSpPr>
           <p:spPr>
             <a:xfrm>
-              <a:off x="7284374" y="4018347"/>
-              <a:ext cx="0" cy="95643"/>
-            </a:xfrm>
-            <a:custGeom>
-              <a:avLst/>
-              <a:pathLst>
-                <a:path w="0" h="95643">
-                  <a:moveTo>
-                    <a:pt x="0" y="95643"/>
+              <a:off x="7274274" y="4016294"/>
+              <a:ext cx="0" cy="96112"/>
+            </a:xfrm>
+            <a:custGeom>
+              <a:avLst/>
+              <a:pathLst>
+                <a:path w="0" h="96112">
+                  <a:moveTo>
+                    <a:pt x="0" y="96112"/>
                   </a:moveTo>
                   <a:lnTo>
                     <a:pt x="0" y="0"/>
@@ -4950,18 +4950,18 @@
           </p:nvSpPr>
           <p:spPr>
             <a:xfrm>
-              <a:off x="7284374" y="4462729"/>
-              <a:ext cx="0" cy="358365"/>
-            </a:xfrm>
-            <a:custGeom>
-              <a:avLst/>
-              <a:pathLst>
-                <a:path w="0" h="358365">
-                  <a:moveTo>
-                    <a:pt x="0" y="0"/>
-                  </a:moveTo>
-                  <a:lnTo>
-                    <a:pt x="0" y="358365"/>
+              <a:off x="7274274" y="4462855"/>
+              <a:ext cx="0" cy="360122"/>
+            </a:xfrm>
+            <a:custGeom>
+              <a:avLst/>
+              <a:pathLst>
+                <a:path w="0" h="360122">
+                  <a:moveTo>
+                    <a:pt x="0" y="0"/>
+                  </a:moveTo>
+                  <a:lnTo>
+                    <a:pt x="0" y="360122"/>
                   </a:lnTo>
                 </a:path>
               </a:pathLst>
@@ -4990,24 +4990,24 @@
           </p:nvSpPr>
           <p:spPr>
             <a:xfrm>
-              <a:off x="6894312" y="4113991"/>
-              <a:ext cx="780125" cy="348738"/>
-            </a:xfrm>
-            <a:custGeom>
-              <a:avLst/>
-              <a:pathLst>
-                <a:path w="780125" h="348738">
-                  <a:moveTo>
-                    <a:pt x="0" y="0"/>
-                  </a:moveTo>
-                  <a:lnTo>
-                    <a:pt x="0" y="348738"/>
-                  </a:lnTo>
-                  <a:lnTo>
-                    <a:pt x="780125" y="348738"/>
-                  </a:lnTo>
-                  <a:lnTo>
-                    <a:pt x="780125" y="0"/>
+              <a:off x="6882754" y="4112407"/>
+              <a:ext cx="783039" cy="350448"/>
+            </a:xfrm>
+            <a:custGeom>
+              <a:avLst/>
+              <a:pathLst>
+                <a:path w="783039" h="350448">
+                  <a:moveTo>
+                    <a:pt x="0" y="0"/>
+                  </a:moveTo>
+                  <a:lnTo>
+                    <a:pt x="0" y="350448"/>
+                  </a:lnTo>
+                  <a:lnTo>
+                    <a:pt x="783039" y="350448"/>
+                  </a:lnTo>
+                  <a:lnTo>
+                    <a:pt x="783039" y="0"/>
                   </a:lnTo>
                   <a:close/>
                 </a:path>
@@ -5042,18 +5042,18 @@
           </p:nvSpPr>
           <p:spPr>
             <a:xfrm>
-              <a:off x="6894312" y="4293942"/>
-              <a:ext cx="780125" cy="0"/>
-            </a:xfrm>
-            <a:custGeom>
-              <a:avLst/>
-              <a:pathLst>
-                <a:path w="780125" h="0">
-                  <a:moveTo>
-                    <a:pt x="0" y="0"/>
-                  </a:moveTo>
-                  <a:lnTo>
-                    <a:pt x="780125" y="0"/>
+              <a:off x="6882754" y="4293241"/>
+              <a:ext cx="783039" cy="0"/>
+            </a:xfrm>
+            <a:custGeom>
+              <a:avLst/>
+              <a:pathLst>
+                <a:path w="783039" h="0">
+                  <a:moveTo>
+                    <a:pt x="0" y="0"/>
+                  </a:moveTo>
+                  <a:lnTo>
+                    <a:pt x="783039" y="0"/>
                   </a:lnTo>
                 </a:path>
               </a:pathLst>
@@ -5082,15 +5082,15 @@
           </p:nvSpPr>
           <p:spPr>
             <a:xfrm>
-              <a:off x="8324542" y="1934576"/>
-              <a:ext cx="0" cy="527607"/>
-            </a:xfrm>
-            <a:custGeom>
-              <a:avLst/>
-              <a:pathLst>
-                <a:path w="0" h="527607">
-                  <a:moveTo>
-                    <a:pt x="0" y="527607"/>
+              <a:off x="8318326" y="1922303"/>
+              <a:ext cx="0" cy="530195"/>
+            </a:xfrm>
+            <a:custGeom>
+              <a:avLst/>
+              <a:pathLst>
+                <a:path w="0" h="530195">
+                  <a:moveTo>
+                    <a:pt x="0" y="530195"/>
                   </a:moveTo>
                   <a:lnTo>
                     <a:pt x="0" y="0"/>
@@ -5122,18 +5122,18 @@
           </p:nvSpPr>
           <p:spPr>
             <a:xfrm>
-              <a:off x="8324542" y="4295423"/>
-              <a:ext cx="0" cy="1525515"/>
-            </a:xfrm>
-            <a:custGeom>
-              <a:avLst/>
-              <a:pathLst>
-                <a:path w="0" h="1525515">
-                  <a:moveTo>
-                    <a:pt x="0" y="0"/>
-                  </a:moveTo>
-                  <a:lnTo>
-                    <a:pt x="0" y="1525515"/>
+              <a:off x="8318326" y="4294729"/>
+              <a:ext cx="0" cy="1532998"/>
+            </a:xfrm>
+            <a:custGeom>
+              <a:avLst/>
+              <a:pathLst>
+                <a:path w="0" h="1532998">
+                  <a:moveTo>
+                    <a:pt x="0" y="0"/>
+                  </a:moveTo>
+                  <a:lnTo>
+                    <a:pt x="0" y="1532998"/>
                   </a:lnTo>
                 </a:path>
               </a:pathLst>
@@ -5162,24 +5162,24 @@
           </p:nvSpPr>
           <p:spPr>
             <a:xfrm>
-              <a:off x="7934479" y="2462184"/>
-              <a:ext cx="780125" cy="1833239"/>
-            </a:xfrm>
-            <a:custGeom>
-              <a:avLst/>
-              <a:pathLst>
-                <a:path w="780125" h="1833239">
-                  <a:moveTo>
-                    <a:pt x="0" y="0"/>
-                  </a:moveTo>
-                  <a:lnTo>
-                    <a:pt x="0" y="1833239"/>
-                  </a:lnTo>
-                  <a:lnTo>
-                    <a:pt x="780125" y="1833239"/>
-                  </a:lnTo>
-                  <a:lnTo>
-                    <a:pt x="780125" y="0"/>
+              <a:off x="7926807" y="2452498"/>
+              <a:ext cx="783039" cy="1842230"/>
+            </a:xfrm>
+            <a:custGeom>
+              <a:avLst/>
+              <a:pathLst>
+                <a:path w="783039" h="1842230">
+                  <a:moveTo>
+                    <a:pt x="0" y="0"/>
+                  </a:moveTo>
+                  <a:lnTo>
+                    <a:pt x="0" y="1842230"/>
+                  </a:lnTo>
+                  <a:lnTo>
+                    <a:pt x="783039" y="1842230"/>
+                  </a:lnTo>
+                  <a:lnTo>
+                    <a:pt x="783039" y="0"/>
                   </a:lnTo>
                   <a:close/>
                 </a:path>
@@ -5214,18 +5214,18 @@
           </p:nvSpPr>
           <p:spPr>
             <a:xfrm>
-              <a:off x="7934479" y="3866251"/>
-              <a:ext cx="780125" cy="0"/>
-            </a:xfrm>
-            <a:custGeom>
-              <a:avLst/>
-              <a:pathLst>
-                <a:path w="780125" h="0">
-                  <a:moveTo>
-                    <a:pt x="0" y="0"/>
-                  </a:moveTo>
-                  <a:lnTo>
-                    <a:pt x="780125" y="0"/>
+              <a:off x="7926807" y="3863452"/>
+              <a:ext cx="783039" cy="0"/>
+            </a:xfrm>
+            <a:custGeom>
+              <a:avLst/>
+              <a:pathLst>
+                <a:path w="783039" h="0">
+                  <a:moveTo>
+                    <a:pt x="0" y="0"/>
+                  </a:moveTo>
+                  <a:lnTo>
+                    <a:pt x="783039" y="0"/>
                   </a:lnTo>
                 </a:path>
               </a:pathLst>
@@ -5254,15 +5254,15 @@
           </p:nvSpPr>
           <p:spPr>
             <a:xfrm>
-              <a:off x="9364710" y="1658184"/>
-              <a:ext cx="0" cy="299007"/>
-            </a:xfrm>
-            <a:custGeom>
-              <a:avLst/>
-              <a:pathLst>
-                <a:path w="0" h="299007">
-                  <a:moveTo>
-                    <a:pt x="0" y="299007"/>
+              <a:off x="9362379" y="1644555"/>
+              <a:ext cx="0" cy="300474"/>
+            </a:xfrm>
+            <a:custGeom>
+              <a:avLst/>
+              <a:pathLst>
+                <a:path w="0" h="300474">
+                  <a:moveTo>
+                    <a:pt x="0" y="300474"/>
                   </a:moveTo>
                   <a:lnTo>
                     <a:pt x="0" y="0"/>
@@ -5294,18 +5294,18 @@
           </p:nvSpPr>
           <p:spPr>
             <a:xfrm>
-              <a:off x="9364710" y="2644528"/>
-              <a:ext cx="0" cy="976432"/>
-            </a:xfrm>
-            <a:custGeom>
-              <a:avLst/>
-              <a:pathLst>
-                <a:path w="0" h="976432">
-                  <a:moveTo>
-                    <a:pt x="0" y="0"/>
-                  </a:moveTo>
-                  <a:lnTo>
-                    <a:pt x="0" y="976432"/>
+              <a:off x="9362379" y="2635737"/>
+              <a:ext cx="0" cy="981221"/>
+            </a:xfrm>
+            <a:custGeom>
+              <a:avLst/>
+              <a:pathLst>
+                <a:path w="0" h="981221">
+                  <a:moveTo>
+                    <a:pt x="0" y="0"/>
+                  </a:moveTo>
+                  <a:lnTo>
+                    <a:pt x="0" y="981221"/>
                   </a:lnTo>
                 </a:path>
               </a:pathLst>
@@ -5334,24 +5334,24 @@
           </p:nvSpPr>
           <p:spPr>
             <a:xfrm>
-              <a:off x="8974647" y="1957192"/>
-              <a:ext cx="780125" cy="687336"/>
-            </a:xfrm>
-            <a:custGeom>
-              <a:avLst/>
-              <a:pathLst>
-                <a:path w="780125" h="687336">
-                  <a:moveTo>
-                    <a:pt x="0" y="0"/>
-                  </a:moveTo>
-                  <a:lnTo>
-                    <a:pt x="0" y="687336"/>
-                  </a:lnTo>
-                  <a:lnTo>
-                    <a:pt x="780125" y="687336"/>
-                  </a:lnTo>
-                  <a:lnTo>
-                    <a:pt x="780125" y="0"/>
+              <a:off x="8970859" y="1945029"/>
+              <a:ext cx="783039" cy="690707"/>
+            </a:xfrm>
+            <a:custGeom>
+              <a:avLst/>
+              <a:pathLst>
+                <a:path w="783039" h="690707">
+                  <a:moveTo>
+                    <a:pt x="0" y="0"/>
+                  </a:moveTo>
+                  <a:lnTo>
+                    <a:pt x="0" y="690707"/>
+                  </a:lnTo>
+                  <a:lnTo>
+                    <a:pt x="783039" y="690707"/>
+                  </a:lnTo>
+                  <a:lnTo>
+                    <a:pt x="783039" y="0"/>
                   </a:lnTo>
                   <a:close/>
                 </a:path>
@@ -5386,18 +5386,18 @@
           </p:nvSpPr>
           <p:spPr>
             <a:xfrm>
-              <a:off x="8974647" y="2141472"/>
-              <a:ext cx="780125" cy="0"/>
-            </a:xfrm>
-            <a:custGeom>
-              <a:avLst/>
-              <a:pathLst>
-                <a:path w="780125" h="0">
-                  <a:moveTo>
-                    <a:pt x="0" y="0"/>
-                  </a:moveTo>
-                  <a:lnTo>
-                    <a:pt x="780125" y="0"/>
+              <a:off x="8970859" y="2130214"/>
+              <a:ext cx="783039" cy="0"/>
+            </a:xfrm>
+            <a:custGeom>
+              <a:avLst/>
+              <a:pathLst>
+                <a:path w="783039" h="0">
+                  <a:moveTo>
+                    <a:pt x="0" y="0"/>
+                  </a:moveTo>
+                  <a:lnTo>
+                    <a:pt x="783039" y="0"/>
                   </a:lnTo>
                 </a:path>
               </a:pathLst>
@@ -5426,8 +5426,8 @@
           </p:nvSpPr>
           <p:spPr>
             <a:xfrm>
-              <a:off x="1459435" y="1407846"/>
-              <a:ext cx="8529375" cy="5507419"/>
+              <a:off x="1427580" y="1392990"/>
+              <a:ext cx="8561230" cy="5534432"/>
             </a:xfrm>
             <a:prstGeom prst="rect">
               <a:avLst/>
@@ -5456,8 +5456,8 @@
           </p:nvSpPr>
           <p:spPr>
             <a:xfrm>
-              <a:off x="1210339" y="5745980"/>
-              <a:ext cx="186466" cy="81691"/>
+              <a:off x="1197310" y="5754460"/>
+              <a:ext cx="167640" cy="76835"/>
             </a:xfrm>
             <a:prstGeom prst="rect">
               <a:avLst/>
@@ -5486,8 +5486,8 @@
                       <a:alpha val="100000"/>
                     </a:srgbClr>
                   </a:solidFill>
-                  <a:latin typeface="Arial"/>
-                  <a:cs typeface="Arial"/>
+                  <a:latin typeface="Times New Roman"/>
+                  <a:cs typeface="Times New Roman"/>
                 </a:rPr>
                 <a:t>500</a:t>
               </a:r>
@@ -5502,8 +5502,8 @@
           </p:nvSpPr>
           <p:spPr>
             <a:xfrm>
-              <a:off x="1148183" y="4606685"/>
-              <a:ext cx="248622" cy="81691"/>
+              <a:off x="1141430" y="4609578"/>
+              <a:ext cx="223520" cy="76835"/>
             </a:xfrm>
             <a:prstGeom prst="rect">
               <a:avLst/>
@@ -5532,8 +5532,8 @@
                       <a:alpha val="100000"/>
                     </a:srgbClr>
                   </a:solidFill>
-                  <a:latin typeface="Arial"/>
-                  <a:cs typeface="Arial"/>
+                  <a:latin typeface="Times New Roman"/>
+                  <a:cs typeface="Times New Roman"/>
                 </a:rPr>
                 <a:t>1000</a:t>
               </a:r>
@@ -5548,8 +5548,8 @@
           </p:nvSpPr>
           <p:spPr>
             <a:xfrm>
-              <a:off x="1148183" y="3467390"/>
-              <a:ext cx="248622" cy="81691"/>
+              <a:off x="1141430" y="3464695"/>
+              <a:ext cx="223520" cy="76835"/>
             </a:xfrm>
             <a:prstGeom prst="rect">
               <a:avLst/>
@@ -5578,8 +5578,8 @@
                       <a:alpha val="100000"/>
                     </a:srgbClr>
                   </a:solidFill>
-                  <a:latin typeface="Arial"/>
-                  <a:cs typeface="Arial"/>
+                  <a:latin typeface="Times New Roman"/>
+                  <a:cs typeface="Times New Roman"/>
                 </a:rPr>
                 <a:t>1500</a:t>
               </a:r>
@@ -5594,8 +5594,8 @@
           </p:nvSpPr>
           <p:spPr>
             <a:xfrm>
-              <a:off x="1148183" y="2328095"/>
-              <a:ext cx="248622" cy="81691"/>
+              <a:off x="1141430" y="2319812"/>
+              <a:ext cx="223520" cy="76835"/>
             </a:xfrm>
             <a:prstGeom prst="rect">
               <a:avLst/>
@@ -5624,8 +5624,8 @@
                       <a:alpha val="100000"/>
                     </a:srgbClr>
                   </a:solidFill>
-                  <a:latin typeface="Arial"/>
-                  <a:cs typeface="Arial"/>
+                  <a:latin typeface="Times New Roman"/>
+                  <a:cs typeface="Times New Roman"/>
                 </a:rPr>
                 <a:t>2000</a:t>
               </a:r>
@@ -5640,7 +5640,7 @@
           </p:nvSpPr>
           <p:spPr>
             <a:xfrm>
-              <a:off x="1424641" y="5787672"/>
+              <a:off x="1392785" y="5794297"/>
               <a:ext cx="34794" cy="0"/>
             </a:xfrm>
             <a:custGeom>
@@ -5680,7 +5680,7 @@
           </p:nvSpPr>
           <p:spPr>
             <a:xfrm>
-              <a:off x="1424641" y="4648377"/>
+              <a:off x="1392785" y="4649414"/>
               <a:ext cx="34794" cy="0"/>
             </a:xfrm>
             <a:custGeom>
@@ -5720,7 +5720,7 @@
           </p:nvSpPr>
           <p:spPr>
             <a:xfrm>
-              <a:off x="1424641" y="3509082"/>
+              <a:off x="1392785" y="3504531"/>
               <a:ext cx="34794" cy="0"/>
             </a:xfrm>
             <a:custGeom>
@@ -5760,7 +5760,7 @@
           </p:nvSpPr>
           <p:spPr>
             <a:xfrm>
-              <a:off x="1424641" y="2369787"/>
+              <a:off x="1392785" y="2359648"/>
               <a:ext cx="34794" cy="0"/>
             </a:xfrm>
             <a:custGeom>
@@ -5800,7 +5800,7 @@
           </p:nvSpPr>
           <p:spPr>
             <a:xfrm>
-              <a:off x="2083536" y="6915266"/>
+              <a:off x="2054011" y="6927422"/>
               <a:ext cx="0" cy="34794"/>
             </a:xfrm>
             <a:custGeom>
@@ -5840,7 +5840,7 @@
           </p:nvSpPr>
           <p:spPr>
             <a:xfrm>
-              <a:off x="3123704" y="6915266"/>
+              <a:off x="3098064" y="6927422"/>
               <a:ext cx="0" cy="34794"/>
             </a:xfrm>
             <a:custGeom>
@@ -5880,7 +5880,7 @@
           </p:nvSpPr>
           <p:spPr>
             <a:xfrm>
-              <a:off x="4163871" y="6915266"/>
+              <a:off x="4142116" y="6927422"/>
               <a:ext cx="0" cy="34794"/>
             </a:xfrm>
             <a:custGeom>
@@ -5920,7 +5920,7 @@
           </p:nvSpPr>
           <p:spPr>
             <a:xfrm>
-              <a:off x="5204039" y="6915266"/>
+              <a:off x="5186169" y="6927422"/>
               <a:ext cx="0" cy="34794"/>
             </a:xfrm>
             <a:custGeom>
@@ -5960,7 +5960,7 @@
           </p:nvSpPr>
           <p:spPr>
             <a:xfrm>
-              <a:off x="6244207" y="6915266"/>
+              <a:off x="6230221" y="6927422"/>
               <a:ext cx="0" cy="34794"/>
             </a:xfrm>
             <a:custGeom>
@@ -6000,7 +6000,7 @@
           </p:nvSpPr>
           <p:spPr>
             <a:xfrm>
-              <a:off x="7284374" y="6915266"/>
+              <a:off x="7274274" y="6927422"/>
               <a:ext cx="0" cy="34794"/>
             </a:xfrm>
             <a:custGeom>
@@ -6040,7 +6040,7 @@
           </p:nvSpPr>
           <p:spPr>
             <a:xfrm>
-              <a:off x="8324542" y="6915266"/>
+              <a:off x="8318326" y="6927422"/>
               <a:ext cx="0" cy="34794"/>
             </a:xfrm>
             <a:custGeom>
@@ -6080,7 +6080,7 @@
           </p:nvSpPr>
           <p:spPr>
             <a:xfrm>
-              <a:off x="9364710" y="6915266"/>
+              <a:off x="9362379" y="6927422"/>
               <a:ext cx="0" cy="34794"/>
             </a:xfrm>
             <a:custGeom>
@@ -6120,8 +6120,8 @@
           </p:nvSpPr>
           <p:spPr>
             <a:xfrm>
-              <a:off x="1853659" y="6976587"/>
-              <a:ext cx="459754" cy="81309"/>
+              <a:off x="1836794" y="6984922"/>
+              <a:ext cx="434434" cy="79126"/>
             </a:xfrm>
             <a:prstGeom prst="rect">
               <a:avLst/>
@@ -6150,8 +6150,8 @@
                       <a:alpha val="100000"/>
                     </a:srgbClr>
                   </a:solidFill>
-                  <a:latin typeface="Arial"/>
-                  <a:cs typeface="Arial"/>
+                  <a:latin typeface="Times New Roman"/>
+                  <a:cs typeface="Times New Roman"/>
                 </a:rPr>
                 <a:t>Alveolata</a:t>
               </a:r>
@@ -6166,8 +6166,8 @@
           </p:nvSpPr>
           <p:spPr>
             <a:xfrm>
-              <a:off x="2822394" y="6953012"/>
-              <a:ext cx="602619" cy="104884"/>
+              <a:off x="2818691" y="6962330"/>
+              <a:ext cx="558745" cy="101719"/>
             </a:xfrm>
             <a:prstGeom prst="rect">
               <a:avLst/>
@@ -6196,8 +6196,8 @@
                       <a:alpha val="100000"/>
                     </a:srgbClr>
                   </a:solidFill>
-                  <a:latin typeface="Arial"/>
-                  <a:cs typeface="Arial"/>
+                  <a:latin typeface="Times New Roman"/>
+                  <a:cs typeface="Times New Roman"/>
                 </a:rPr>
                 <a:t>Chlorophyta</a:t>
               </a:r>
@@ -6212,8 +6212,8 @@
           </p:nvSpPr>
           <p:spPr>
             <a:xfrm>
-              <a:off x="3961989" y="6976587"/>
-              <a:ext cx="403765" cy="81309"/>
+              <a:off x="3959006" y="6984922"/>
+              <a:ext cx="366221" cy="79126"/>
             </a:xfrm>
             <a:prstGeom prst="rect">
               <a:avLst/>
@@ -6242,8 +6242,8 @@
                       <a:alpha val="100000"/>
                     </a:srgbClr>
                   </a:solidFill>
-                  <a:latin typeface="Arial"/>
-                  <a:cs typeface="Arial"/>
+                  <a:latin typeface="Times New Roman"/>
+                  <a:cs typeface="Times New Roman"/>
                 </a:rPr>
                 <a:t>Discoba</a:t>
               </a:r>
@@ -6258,8 +6258,8 @@
           </p:nvSpPr>
           <p:spPr>
             <a:xfrm>
-              <a:off x="4877872" y="6976587"/>
-              <a:ext cx="652333" cy="81309"/>
+              <a:off x="4894463" y="6984922"/>
+              <a:ext cx="583411" cy="79126"/>
             </a:xfrm>
             <a:prstGeom prst="rect">
               <a:avLst/>
@@ -6288,8 +6288,8 @@
                       <a:alpha val="100000"/>
                     </a:srgbClr>
                   </a:solidFill>
-                  <a:latin typeface="Arial"/>
-                  <a:cs typeface="Arial"/>
+                  <a:latin typeface="Times New Roman"/>
+                  <a:cs typeface="Times New Roman"/>
                 </a:rPr>
                 <a:t>Metamonada</a:t>
               </a:r>
@@ -6304,8 +6304,8 @@
           </p:nvSpPr>
           <p:spPr>
             <a:xfrm>
-              <a:off x="6039241" y="6976587"/>
-              <a:ext cx="409932" cy="81309"/>
+              <a:off x="6040944" y="6985413"/>
+              <a:ext cx="378554" cy="78635"/>
             </a:xfrm>
             <a:prstGeom prst="rect">
               <a:avLst/>
@@ -6334,8 +6334,8 @@
                       <a:alpha val="100000"/>
                     </a:srgbClr>
                   </a:solidFill>
-                  <a:latin typeface="Arial"/>
-                  <a:cs typeface="Arial"/>
+                  <a:latin typeface="Times New Roman"/>
+                  <a:cs typeface="Times New Roman"/>
                 </a:rPr>
                 <a:t>Rhizaria</a:t>
               </a:r>
@@ -6350,8 +6350,8 @@
           </p:nvSpPr>
           <p:spPr>
             <a:xfrm>
-              <a:off x="6983010" y="6954376"/>
-              <a:ext cx="602729" cy="103519"/>
+              <a:off x="7001095" y="6962330"/>
+              <a:ext cx="546357" cy="101719"/>
             </a:xfrm>
             <a:prstGeom prst="rect">
               <a:avLst/>
@@ -6380,8 +6380,8 @@
                       <a:alpha val="100000"/>
                     </a:srgbClr>
                   </a:solidFill>
-                  <a:latin typeface="Arial"/>
-                  <a:cs typeface="Arial"/>
+                  <a:latin typeface="Times New Roman"/>
+                  <a:cs typeface="Times New Roman"/>
                 </a:rPr>
                 <a:t>Rhodophyta</a:t>
               </a:r>
@@ -6396,8 +6396,8 @@
           </p:nvSpPr>
           <p:spPr>
             <a:xfrm>
-              <a:off x="7967352" y="6954322"/>
-              <a:ext cx="714379" cy="103574"/>
+              <a:off x="7998626" y="6962548"/>
+              <a:ext cx="639400" cy="101500"/>
             </a:xfrm>
             <a:prstGeom prst="rect">
               <a:avLst/>
@@ -6426,8 +6426,8 @@
                       <a:alpha val="100000"/>
                     </a:srgbClr>
                   </a:solidFill>
-                  <a:latin typeface="Arial"/>
-                  <a:cs typeface="Arial"/>
+                  <a:latin typeface="Times New Roman"/>
+                  <a:cs typeface="Times New Roman"/>
                 </a:rPr>
                 <a:t>Stramenopiles</a:t>
               </a:r>
@@ -6442,8 +6442,8 @@
           </p:nvSpPr>
           <p:spPr>
             <a:xfrm>
-              <a:off x="9047847" y="6953012"/>
-              <a:ext cx="633725" cy="104884"/>
+              <a:off x="9076813" y="6962330"/>
+              <a:ext cx="571132" cy="101719"/>
             </a:xfrm>
             <a:prstGeom prst="rect">
               <a:avLst/>
@@ -6472,8 +6472,8 @@
                       <a:alpha val="100000"/>
                     </a:srgbClr>
                   </a:solidFill>
-                  <a:latin typeface="Arial"/>
-                  <a:cs typeface="Arial"/>
+                  <a:latin typeface="Times New Roman"/>
+                  <a:cs typeface="Times New Roman"/>
                 </a:rPr>
                 <a:t>Streptophyta</a:t>
               </a:r>
@@ -6488,8 +6488,8 @@
           </p:nvSpPr>
           <p:spPr>
             <a:xfrm>
-              <a:off x="5289266" y="7086743"/>
-              <a:ext cx="869714" cy="129468"/>
+              <a:off x="5322110" y="7090972"/>
+              <a:ext cx="772169" cy="124488"/>
             </a:xfrm>
             <a:prstGeom prst="rect">
               <a:avLst/>
@@ -6518,8 +6518,8 @@
                       <a:alpha val="100000"/>
                     </a:srgbClr>
                   </a:solidFill>
-                  <a:latin typeface="Arial"/>
-                  <a:cs typeface="Arial"/>
+                  <a:latin typeface="Times New Roman"/>
+                  <a:cs typeface="Times New Roman"/>
                 </a:rPr>
                 <a:t>Super Groups</a:t>
               </a:r>
@@ -6534,8 +6534,8 @@
           </p:nvSpPr>
           <p:spPr>
             <a:xfrm rot="-5400000">
-              <a:off x="442276" y="4109817"/>
-              <a:ext cx="1179946" cy="103478"/>
+              <a:off x="483818" y="4110649"/>
+              <a:ext cx="1086222" cy="99113"/>
             </a:xfrm>
             <a:prstGeom prst="rect">
               <a:avLst/>
@@ -6564,8 +6564,8 @@
                       <a:alpha val="100000"/>
                     </a:srgbClr>
                   </a:solidFill>
-                  <a:latin typeface="Arial"/>
-                  <a:cs typeface="Arial"/>
+                  <a:latin typeface="Times New Roman"/>
+                  <a:cs typeface="Times New Roman"/>
                 </a:rPr>
                 <a:t>TOR Overall Score</a:t>
               </a:r>
@@ -6580,8 +6580,8 @@
           </p:nvSpPr>
           <p:spPr>
             <a:xfrm>
-              <a:off x="1459435" y="1177752"/>
-              <a:ext cx="1723876" cy="131105"/>
+              <a:off x="1427580" y="1166102"/>
+              <a:ext cx="1563644" cy="127148"/>
             </a:xfrm>
             <a:prstGeom prst="rect">
               <a:avLst/>
@@ -6610,8 +6610,8 @@
                       <a:alpha val="100000"/>
                     </a:srgbClr>
                   </a:solidFill>
-                  <a:latin typeface="Arial"/>
-                  <a:cs typeface="Arial"/>
+                  <a:latin typeface="Times New Roman"/>
+                  <a:cs typeface="Times New Roman"/>
                 </a:rPr>
                 <a:t>By Associated Super Group</a:t>
               </a:r>
@@ -6626,8 +6626,8 @@
           </p:nvSpPr>
           <p:spPr>
             <a:xfrm>
-              <a:off x="1459435" y="979814"/>
-              <a:ext cx="1499755" cy="124174"/>
+              <a:off x="1427580" y="976049"/>
+              <a:ext cx="1368705" cy="118935"/>
             </a:xfrm>
             <a:prstGeom prst="rect">
               <a:avLst/>
@@ -6656,8 +6656,8 @@
                       <a:alpha val="100000"/>
                     </a:srgbClr>
                   </a:solidFill>
-                  <a:latin typeface="Arial"/>
-                  <a:cs typeface="Arial"/>
+                  <a:latin typeface="Times New Roman"/>
+                  <a:cs typeface="Times New Roman"/>
                 </a:rPr>
                 <a:t>TOR Overall Scores</a:t>
               </a:r>

--- a/Images/Figures_PPT/Box_Plot_TOR_All.pptx
+++ b/Images/Figures_PPT/Box_Plot_TOR_All.pptx
@@ -6488,8 +6488,8 @@
           </p:nvSpPr>
           <p:spPr>
             <a:xfrm>
-              <a:off x="5322110" y="7090972"/>
-              <a:ext cx="772169" cy="124488"/>
+              <a:off x="5545269" y="7116347"/>
+              <a:ext cx="325852" cy="99113"/>
             </a:xfrm>
             <a:prstGeom prst="rect">
               <a:avLst/>
@@ -6521,7 +6521,7 @@
                   <a:latin typeface="Times New Roman"/>
                   <a:cs typeface="Times New Roman"/>
                 </a:rPr>
-                <a:t>Super Groups</a:t>
+                <a:t>Clade</a:t>
               </a:r>
             </a:p>
           </p:txBody>
@@ -6581,7 +6581,7 @@
           <p:spPr>
             <a:xfrm>
               <a:off x="1427580" y="1166102"/>
-              <a:ext cx="1563644" cy="127148"/>
+              <a:ext cx="1171692" cy="127148"/>
             </a:xfrm>
             <a:prstGeom prst="rect">
               <a:avLst/>
@@ -6613,7 +6613,7 @@
                   <a:latin typeface="Times New Roman"/>
                   <a:cs typeface="Times New Roman"/>
                 </a:rPr>
-                <a:t>By Associated Super Group</a:t>
+                <a:t>By Associated Clade</a:t>
               </a:r>
             </a:p>
           </p:txBody>

--- a/Images/Figures_PPT/Box_Plot_TOR_All.pptx
+++ b/Images/Figures_PPT/Box_Plot_TOR_All.pptx
@@ -2298,8 +2298,8 @@
           </p:nvSpPr>
           <p:spPr>
             <a:xfrm>
-              <a:off x="10058400" y="914400"/>
-              <a:ext cx="0" cy="6400800"/>
+              <a:off x="914400" y="914400"/>
+              <a:ext cx="9144000" cy="6400800"/>
             </a:xfrm>
             <a:prstGeom prst="rect">
               <a:avLst/>
@@ -2333,8 +2333,8 @@
           </p:nvSpPr>
           <p:spPr>
             <a:xfrm>
-              <a:off x="1427580" y="1392990"/>
-              <a:ext cx="8561230" cy="5534432"/>
+              <a:off x="1710807" y="1613754"/>
+              <a:ext cx="8278003" cy="5133042"/>
             </a:xfrm>
             <a:prstGeom prst="rect">
               <a:avLst/>
@@ -2359,21 +2359,21 @@
           </p:nvSpPr>
           <p:spPr>
             <a:xfrm>
-              <a:off x="1427580" y="6366738"/>
-              <a:ext cx="8561230" cy="0"/>
-            </a:xfrm>
-            <a:custGeom>
-              <a:avLst/>
-              <a:pathLst>
-                <a:path w="8561230" h="0">
-                  <a:moveTo>
-                    <a:pt x="0" y="0"/>
-                  </a:moveTo>
-                  <a:lnTo>
-                    <a:pt x="8561230" y="0"/>
-                  </a:lnTo>
-                  <a:lnTo>
-                    <a:pt x="8561230" y="0"/>
+              <a:off x="1710807" y="6226777"/>
+              <a:ext cx="8278003" cy="0"/>
+            </a:xfrm>
+            <a:custGeom>
+              <a:avLst/>
+              <a:pathLst>
+                <a:path w="8278003" h="0">
+                  <a:moveTo>
+                    <a:pt x="0" y="0"/>
+                  </a:moveTo>
+                  <a:lnTo>
+                    <a:pt x="8278003" y="0"/>
+                  </a:lnTo>
+                  <a:lnTo>
+                    <a:pt x="8278003" y="0"/>
                   </a:lnTo>
                 </a:path>
               </a:pathLst>
@@ -2402,21 +2402,21 @@
           </p:nvSpPr>
           <p:spPr>
             <a:xfrm>
-              <a:off x="1427580" y="5221855"/>
-              <a:ext cx="8561230" cy="0"/>
-            </a:xfrm>
-            <a:custGeom>
-              <a:avLst/>
-              <a:pathLst>
-                <a:path w="8561230" h="0">
-                  <a:moveTo>
-                    <a:pt x="0" y="0"/>
-                  </a:moveTo>
-                  <a:lnTo>
-                    <a:pt x="8561230" y="0"/>
-                  </a:lnTo>
-                  <a:lnTo>
-                    <a:pt x="8561230" y="0"/>
+              <a:off x="1710807" y="5164928"/>
+              <a:ext cx="8278003" cy="0"/>
+            </a:xfrm>
+            <a:custGeom>
+              <a:avLst/>
+              <a:pathLst>
+                <a:path w="8278003" h="0">
+                  <a:moveTo>
+                    <a:pt x="0" y="0"/>
+                  </a:moveTo>
+                  <a:lnTo>
+                    <a:pt x="8278003" y="0"/>
+                  </a:lnTo>
+                  <a:lnTo>
+                    <a:pt x="8278003" y="0"/>
                   </a:lnTo>
                 </a:path>
               </a:pathLst>
@@ -2445,21 +2445,21 @@
           </p:nvSpPr>
           <p:spPr>
             <a:xfrm>
-              <a:off x="1427580" y="4076973"/>
-              <a:ext cx="8561230" cy="0"/>
-            </a:xfrm>
-            <a:custGeom>
-              <a:avLst/>
-              <a:pathLst>
-                <a:path w="8561230" h="0">
-                  <a:moveTo>
-                    <a:pt x="0" y="0"/>
-                  </a:moveTo>
-                  <a:lnTo>
-                    <a:pt x="8561230" y="0"/>
-                  </a:lnTo>
-                  <a:lnTo>
-                    <a:pt x="8561230" y="0"/>
+              <a:off x="1710807" y="4103079"/>
+              <a:ext cx="8278003" cy="0"/>
+            </a:xfrm>
+            <a:custGeom>
+              <a:avLst/>
+              <a:pathLst>
+                <a:path w="8278003" h="0">
+                  <a:moveTo>
+                    <a:pt x="0" y="0"/>
+                  </a:moveTo>
+                  <a:lnTo>
+                    <a:pt x="8278003" y="0"/>
+                  </a:lnTo>
+                  <a:lnTo>
+                    <a:pt x="8278003" y="0"/>
                   </a:lnTo>
                 </a:path>
               </a:pathLst>
@@ -2488,21 +2488,21 @@
           </p:nvSpPr>
           <p:spPr>
             <a:xfrm>
-              <a:off x="1427580" y="2932090"/>
-              <a:ext cx="8561230" cy="0"/>
-            </a:xfrm>
-            <a:custGeom>
-              <a:avLst/>
-              <a:pathLst>
-                <a:path w="8561230" h="0">
-                  <a:moveTo>
-                    <a:pt x="0" y="0"/>
-                  </a:moveTo>
-                  <a:lnTo>
-                    <a:pt x="8561230" y="0"/>
-                  </a:lnTo>
-                  <a:lnTo>
-                    <a:pt x="8561230" y="0"/>
+              <a:off x="1710807" y="3041229"/>
+              <a:ext cx="8278003" cy="0"/>
+            </a:xfrm>
+            <a:custGeom>
+              <a:avLst/>
+              <a:pathLst>
+                <a:path w="8278003" h="0">
+                  <a:moveTo>
+                    <a:pt x="0" y="0"/>
+                  </a:moveTo>
+                  <a:lnTo>
+                    <a:pt x="8278003" y="0"/>
+                  </a:lnTo>
+                  <a:lnTo>
+                    <a:pt x="8278003" y="0"/>
                   </a:lnTo>
                 </a:path>
               </a:pathLst>
@@ -2531,21 +2531,21 @@
           </p:nvSpPr>
           <p:spPr>
             <a:xfrm>
-              <a:off x="1427580" y="1787207"/>
-              <a:ext cx="8561230" cy="0"/>
-            </a:xfrm>
-            <a:custGeom>
-              <a:avLst/>
-              <a:pathLst>
-                <a:path w="8561230" h="0">
-                  <a:moveTo>
-                    <a:pt x="0" y="0"/>
-                  </a:moveTo>
-                  <a:lnTo>
-                    <a:pt x="8561230" y="0"/>
-                  </a:lnTo>
-                  <a:lnTo>
-                    <a:pt x="8561230" y="0"/>
+              <a:off x="1710807" y="1979380"/>
+              <a:ext cx="8278003" cy="0"/>
+            </a:xfrm>
+            <a:custGeom>
+              <a:avLst/>
+              <a:pathLst>
+                <a:path w="8278003" h="0">
+                  <a:moveTo>
+                    <a:pt x="0" y="0"/>
+                  </a:moveTo>
+                  <a:lnTo>
+                    <a:pt x="8278003" y="0"/>
+                  </a:lnTo>
+                  <a:lnTo>
+                    <a:pt x="8278003" y="0"/>
                   </a:lnTo>
                 </a:path>
               </a:pathLst>
@@ -2574,21 +2574,21 @@
           </p:nvSpPr>
           <p:spPr>
             <a:xfrm>
-              <a:off x="1427580" y="5794297"/>
-              <a:ext cx="8561230" cy="0"/>
-            </a:xfrm>
-            <a:custGeom>
-              <a:avLst/>
-              <a:pathLst>
-                <a:path w="8561230" h="0">
-                  <a:moveTo>
-                    <a:pt x="0" y="0"/>
-                  </a:moveTo>
-                  <a:lnTo>
-                    <a:pt x="8561230" y="0"/>
-                  </a:lnTo>
-                  <a:lnTo>
-                    <a:pt x="8561230" y="0"/>
+              <a:off x="1710807" y="5695852"/>
+              <a:ext cx="8278003" cy="0"/>
+            </a:xfrm>
+            <a:custGeom>
+              <a:avLst/>
+              <a:pathLst>
+                <a:path w="8278003" h="0">
+                  <a:moveTo>
+                    <a:pt x="0" y="0"/>
+                  </a:moveTo>
+                  <a:lnTo>
+                    <a:pt x="8278003" y="0"/>
+                  </a:lnTo>
+                  <a:lnTo>
+                    <a:pt x="8278003" y="0"/>
                   </a:lnTo>
                 </a:path>
               </a:pathLst>
@@ -2617,21 +2617,21 @@
           </p:nvSpPr>
           <p:spPr>
             <a:xfrm>
-              <a:off x="1427580" y="4649414"/>
-              <a:ext cx="8561230" cy="0"/>
-            </a:xfrm>
-            <a:custGeom>
-              <a:avLst/>
-              <a:pathLst>
-                <a:path w="8561230" h="0">
-                  <a:moveTo>
-                    <a:pt x="0" y="0"/>
-                  </a:moveTo>
-                  <a:lnTo>
-                    <a:pt x="8561230" y="0"/>
-                  </a:lnTo>
-                  <a:lnTo>
-                    <a:pt x="8561230" y="0"/>
+              <a:off x="1710807" y="4634003"/>
+              <a:ext cx="8278003" cy="0"/>
+            </a:xfrm>
+            <a:custGeom>
+              <a:avLst/>
+              <a:pathLst>
+                <a:path w="8278003" h="0">
+                  <a:moveTo>
+                    <a:pt x="0" y="0"/>
+                  </a:moveTo>
+                  <a:lnTo>
+                    <a:pt x="8278003" y="0"/>
+                  </a:lnTo>
+                  <a:lnTo>
+                    <a:pt x="8278003" y="0"/>
                   </a:lnTo>
                 </a:path>
               </a:pathLst>
@@ -2660,21 +2660,21 @@
           </p:nvSpPr>
           <p:spPr>
             <a:xfrm>
-              <a:off x="1427580" y="3504531"/>
-              <a:ext cx="8561230" cy="0"/>
-            </a:xfrm>
-            <a:custGeom>
-              <a:avLst/>
-              <a:pathLst>
-                <a:path w="8561230" h="0">
-                  <a:moveTo>
-                    <a:pt x="0" y="0"/>
-                  </a:moveTo>
-                  <a:lnTo>
-                    <a:pt x="8561230" y="0"/>
-                  </a:lnTo>
-                  <a:lnTo>
-                    <a:pt x="8561230" y="0"/>
+              <a:off x="1710807" y="3572154"/>
+              <a:ext cx="8278003" cy="0"/>
+            </a:xfrm>
+            <a:custGeom>
+              <a:avLst/>
+              <a:pathLst>
+                <a:path w="8278003" h="0">
+                  <a:moveTo>
+                    <a:pt x="0" y="0"/>
+                  </a:moveTo>
+                  <a:lnTo>
+                    <a:pt x="8278003" y="0"/>
+                  </a:lnTo>
+                  <a:lnTo>
+                    <a:pt x="8278003" y="0"/>
                   </a:lnTo>
                 </a:path>
               </a:pathLst>
@@ -2703,21 +2703,21 @@
           </p:nvSpPr>
           <p:spPr>
             <a:xfrm>
-              <a:off x="1427580" y="2359648"/>
-              <a:ext cx="8561230" cy="0"/>
-            </a:xfrm>
-            <a:custGeom>
-              <a:avLst/>
-              <a:pathLst>
-                <a:path w="8561230" h="0">
-                  <a:moveTo>
-                    <a:pt x="0" y="0"/>
-                  </a:moveTo>
-                  <a:lnTo>
-                    <a:pt x="8561230" y="0"/>
-                  </a:lnTo>
-                  <a:lnTo>
-                    <a:pt x="8561230" y="0"/>
+              <a:off x="1710807" y="2510305"/>
+              <a:ext cx="8278003" cy="0"/>
+            </a:xfrm>
+            <a:custGeom>
+              <a:avLst/>
+              <a:pathLst>
+                <a:path w="8278003" h="0">
+                  <a:moveTo>
+                    <a:pt x="0" y="0"/>
+                  </a:moveTo>
+                  <a:lnTo>
+                    <a:pt x="8278003" y="0"/>
+                  </a:lnTo>
+                  <a:lnTo>
+                    <a:pt x="8278003" y="0"/>
                   </a:lnTo>
                 </a:path>
               </a:pathLst>
@@ -2746,15 +2746,15 @@
           </p:nvSpPr>
           <p:spPr>
             <a:xfrm>
-              <a:off x="2054011" y="1392990"/>
-              <a:ext cx="0" cy="5534432"/>
-            </a:xfrm>
-            <a:custGeom>
-              <a:avLst/>
-              <a:pathLst>
-                <a:path w="0" h="5534432">
-                  <a:moveTo>
-                    <a:pt x="0" y="5534432"/>
+              <a:off x="2316515" y="1613754"/>
+              <a:ext cx="0" cy="5133042"/>
+            </a:xfrm>
+            <a:custGeom>
+              <a:avLst/>
+              <a:pathLst>
+                <a:path w="0" h="5133042">
+                  <a:moveTo>
+                    <a:pt x="0" y="5133042"/>
                   </a:moveTo>
                   <a:lnTo>
                     <a:pt x="0" y="0"/>
@@ -2789,15 +2789,15 @@
           </p:nvSpPr>
           <p:spPr>
             <a:xfrm>
-              <a:off x="3098064" y="1392990"/>
-              <a:ext cx="0" cy="5534432"/>
-            </a:xfrm>
-            <a:custGeom>
-              <a:avLst/>
-              <a:pathLst>
-                <a:path w="0" h="5534432">
-                  <a:moveTo>
-                    <a:pt x="0" y="5534432"/>
+              <a:off x="3326027" y="1613754"/>
+              <a:ext cx="0" cy="5133042"/>
+            </a:xfrm>
+            <a:custGeom>
+              <a:avLst/>
+              <a:pathLst>
+                <a:path w="0" h="5133042">
+                  <a:moveTo>
+                    <a:pt x="0" y="5133042"/>
                   </a:moveTo>
                   <a:lnTo>
                     <a:pt x="0" y="0"/>
@@ -2832,15 +2832,15 @@
           </p:nvSpPr>
           <p:spPr>
             <a:xfrm>
-              <a:off x="4142116" y="1392990"/>
-              <a:ext cx="0" cy="5534432"/>
-            </a:xfrm>
-            <a:custGeom>
-              <a:avLst/>
-              <a:pathLst>
-                <a:path w="0" h="5534432">
-                  <a:moveTo>
-                    <a:pt x="0" y="5534432"/>
+              <a:off x="4335540" y="1613754"/>
+              <a:ext cx="0" cy="5133042"/>
+            </a:xfrm>
+            <a:custGeom>
+              <a:avLst/>
+              <a:pathLst>
+                <a:path w="0" h="5133042">
+                  <a:moveTo>
+                    <a:pt x="0" y="5133042"/>
                   </a:moveTo>
                   <a:lnTo>
                     <a:pt x="0" y="0"/>
@@ -2875,15 +2875,15 @@
           </p:nvSpPr>
           <p:spPr>
             <a:xfrm>
-              <a:off x="5186169" y="1392990"/>
-              <a:ext cx="0" cy="5534432"/>
-            </a:xfrm>
-            <a:custGeom>
-              <a:avLst/>
-              <a:pathLst>
-                <a:path w="0" h="5534432">
-                  <a:moveTo>
-                    <a:pt x="0" y="5534432"/>
+              <a:off x="5345053" y="1613754"/>
+              <a:ext cx="0" cy="5133042"/>
+            </a:xfrm>
+            <a:custGeom>
+              <a:avLst/>
+              <a:pathLst>
+                <a:path w="0" h="5133042">
+                  <a:moveTo>
+                    <a:pt x="0" y="5133042"/>
                   </a:moveTo>
                   <a:lnTo>
                     <a:pt x="0" y="0"/>
@@ -2918,15 +2918,15 @@
           </p:nvSpPr>
           <p:spPr>
             <a:xfrm>
-              <a:off x="6230221" y="1392990"/>
-              <a:ext cx="0" cy="5534432"/>
-            </a:xfrm>
-            <a:custGeom>
-              <a:avLst/>
-              <a:pathLst>
-                <a:path w="0" h="5534432">
-                  <a:moveTo>
-                    <a:pt x="0" y="5534432"/>
+              <a:off x="6354565" y="1613754"/>
+              <a:ext cx="0" cy="5133042"/>
+            </a:xfrm>
+            <a:custGeom>
+              <a:avLst/>
+              <a:pathLst>
+                <a:path w="0" h="5133042">
+                  <a:moveTo>
+                    <a:pt x="0" y="5133042"/>
                   </a:moveTo>
                   <a:lnTo>
                     <a:pt x="0" y="0"/>
@@ -2961,15 +2961,15 @@
           </p:nvSpPr>
           <p:spPr>
             <a:xfrm>
-              <a:off x="7274274" y="1392990"/>
-              <a:ext cx="0" cy="5534432"/>
-            </a:xfrm>
-            <a:custGeom>
-              <a:avLst/>
-              <a:pathLst>
-                <a:path w="0" h="5534432">
-                  <a:moveTo>
-                    <a:pt x="0" y="5534432"/>
+              <a:off x="7364078" y="1613754"/>
+              <a:ext cx="0" cy="5133042"/>
+            </a:xfrm>
+            <a:custGeom>
+              <a:avLst/>
+              <a:pathLst>
+                <a:path w="0" h="5133042">
+                  <a:moveTo>
+                    <a:pt x="0" y="5133042"/>
                   </a:moveTo>
                   <a:lnTo>
                     <a:pt x="0" y="0"/>
@@ -3004,15 +3004,15 @@
           </p:nvSpPr>
           <p:spPr>
             <a:xfrm>
-              <a:off x="8318326" y="1392990"/>
-              <a:ext cx="0" cy="5534432"/>
-            </a:xfrm>
-            <a:custGeom>
-              <a:avLst/>
-              <a:pathLst>
-                <a:path w="0" h="5534432">
-                  <a:moveTo>
-                    <a:pt x="0" y="5534432"/>
+              <a:off x="8373590" y="1613754"/>
+              <a:ext cx="0" cy="5133042"/>
+            </a:xfrm>
+            <a:custGeom>
+              <a:avLst/>
+              <a:pathLst>
+                <a:path w="0" h="5133042">
+                  <a:moveTo>
+                    <a:pt x="0" y="5133042"/>
                   </a:moveTo>
                   <a:lnTo>
                     <a:pt x="0" y="0"/>
@@ -3047,15 +3047,15 @@
           </p:nvSpPr>
           <p:spPr>
             <a:xfrm>
-              <a:off x="9362379" y="1392990"/>
-              <a:ext cx="0" cy="5534432"/>
-            </a:xfrm>
-            <a:custGeom>
-              <a:avLst/>
-              <a:pathLst>
-                <a:path w="0" h="5534432">
-                  <a:moveTo>
-                    <a:pt x="0" y="5534432"/>
+              <a:off x="9383103" y="1613754"/>
+              <a:ext cx="0" cy="5133042"/>
+            </a:xfrm>
+            <a:custGeom>
+              <a:avLst/>
+              <a:pathLst>
+                <a:path w="0" h="5133042">
+                  <a:moveTo>
+                    <a:pt x="0" y="5133042"/>
                   </a:moveTo>
                   <a:lnTo>
                     <a:pt x="0" y="0"/>
@@ -3090,18 +3090,18 @@
           </p:nvSpPr>
           <p:spPr>
             <a:xfrm>
-              <a:off x="1792998" y="3957676"/>
-              <a:ext cx="522026" cy="0"/>
-            </a:xfrm>
-            <a:custGeom>
-              <a:avLst/>
-              <a:pathLst>
-                <a:path w="522026" h="0">
-                  <a:moveTo>
-                    <a:pt x="0" y="0"/>
-                  </a:moveTo>
-                  <a:lnTo>
-                    <a:pt x="522026" y="0"/>
+              <a:off x="2064137" y="3992434"/>
+              <a:ext cx="504756" cy="0"/>
+            </a:xfrm>
+            <a:custGeom>
+              <a:avLst/>
+              <a:pathLst>
+                <a:path w="504756" h="0">
+                  <a:moveTo>
+                    <a:pt x="0" y="0"/>
+                  </a:moveTo>
+                  <a:lnTo>
+                    <a:pt x="504756" y="0"/>
                   </a:lnTo>
                 </a:path>
               </a:pathLst>
@@ -3130,18 +3130,18 @@
           </p:nvSpPr>
           <p:spPr>
             <a:xfrm>
-              <a:off x="2054011" y="3957676"/>
-              <a:ext cx="0" cy="2677880"/>
-            </a:xfrm>
-            <a:custGeom>
-              <a:avLst/>
-              <a:pathLst>
-                <a:path w="0" h="2677880">
-                  <a:moveTo>
-                    <a:pt x="0" y="0"/>
-                  </a:moveTo>
-                  <a:lnTo>
-                    <a:pt x="0" y="2677880"/>
+              <a:off x="2316515" y="3992434"/>
+              <a:ext cx="0" cy="2483665"/>
+            </a:xfrm>
+            <a:custGeom>
+              <a:avLst/>
+              <a:pathLst>
+                <a:path w="0" h="2483665">
+                  <a:moveTo>
+                    <a:pt x="0" y="0"/>
+                  </a:moveTo>
+                  <a:lnTo>
+                    <a:pt x="0" y="2483665"/>
                   </a:lnTo>
                 </a:path>
               </a:pathLst>
@@ -3170,18 +3170,18 @@
           </p:nvSpPr>
           <p:spPr>
             <a:xfrm>
-              <a:off x="1792998" y="6635557"/>
-              <a:ext cx="522026" cy="0"/>
-            </a:xfrm>
-            <a:custGeom>
-              <a:avLst/>
-              <a:pathLst>
-                <a:path w="522026" h="0">
-                  <a:moveTo>
-                    <a:pt x="0" y="0"/>
-                  </a:moveTo>
-                  <a:lnTo>
-                    <a:pt x="522026" y="0"/>
+              <a:off x="2064137" y="6476099"/>
+              <a:ext cx="504756" cy="0"/>
+            </a:xfrm>
+            <a:custGeom>
+              <a:avLst/>
+              <a:pathLst>
+                <a:path w="504756" h="0">
+                  <a:moveTo>
+                    <a:pt x="0" y="0"/>
+                  </a:moveTo>
+                  <a:lnTo>
+                    <a:pt x="504756" y="0"/>
                   </a:lnTo>
                 </a:path>
               </a:pathLst>
@@ -3210,18 +3210,18 @@
           </p:nvSpPr>
           <p:spPr>
             <a:xfrm>
-              <a:off x="2837051" y="2904613"/>
-              <a:ext cx="522026" cy="0"/>
-            </a:xfrm>
-            <a:custGeom>
-              <a:avLst/>
-              <a:pathLst>
-                <a:path w="522026" h="0">
-                  <a:moveTo>
-                    <a:pt x="0" y="0"/>
-                  </a:moveTo>
-                  <a:lnTo>
-                    <a:pt x="522026" y="0"/>
+              <a:off x="3073649" y="3015745"/>
+              <a:ext cx="504756" cy="0"/>
+            </a:xfrm>
+            <a:custGeom>
+              <a:avLst/>
+              <a:pathLst>
+                <a:path w="504756" h="0">
+                  <a:moveTo>
+                    <a:pt x="0" y="0"/>
+                  </a:moveTo>
+                  <a:lnTo>
+                    <a:pt x="504756" y="0"/>
                   </a:lnTo>
                 </a:path>
               </a:pathLst>
@@ -3250,18 +3250,18 @@
           </p:nvSpPr>
           <p:spPr>
             <a:xfrm>
-              <a:off x="3098064" y="2904613"/>
-              <a:ext cx="0" cy="2707647"/>
-            </a:xfrm>
-            <a:custGeom>
-              <a:avLst/>
-              <a:pathLst>
-                <a:path w="0" h="2707647">
-                  <a:moveTo>
-                    <a:pt x="0" y="0"/>
-                  </a:moveTo>
-                  <a:lnTo>
-                    <a:pt x="0" y="2707647"/>
+              <a:off x="3326027" y="3015745"/>
+              <a:ext cx="0" cy="2511273"/>
+            </a:xfrm>
+            <a:custGeom>
+              <a:avLst/>
+              <a:pathLst>
+                <a:path w="0" h="2511273">
+                  <a:moveTo>
+                    <a:pt x="0" y="0"/>
+                  </a:moveTo>
+                  <a:lnTo>
+                    <a:pt x="0" y="2511273"/>
                   </a:lnTo>
                 </a:path>
               </a:pathLst>
@@ -3290,18 +3290,18 @@
           </p:nvSpPr>
           <p:spPr>
             <a:xfrm>
-              <a:off x="2837051" y="5612260"/>
-              <a:ext cx="522026" cy="0"/>
-            </a:xfrm>
-            <a:custGeom>
-              <a:avLst/>
-              <a:pathLst>
-                <a:path w="522026" h="0">
-                  <a:moveTo>
-                    <a:pt x="0" y="0"/>
-                  </a:moveTo>
-                  <a:lnTo>
-                    <a:pt x="522026" y="0"/>
+              <a:off x="3073649" y="5527018"/>
+              <a:ext cx="504756" cy="0"/>
+            </a:xfrm>
+            <a:custGeom>
+              <a:avLst/>
+              <a:pathLst>
+                <a:path w="504756" h="0">
+                  <a:moveTo>
+                    <a:pt x="0" y="0"/>
+                  </a:moveTo>
+                  <a:lnTo>
+                    <a:pt x="504756" y="0"/>
                   </a:lnTo>
                 </a:path>
               </a:pathLst>
@@ -3330,18 +3330,18 @@
           </p:nvSpPr>
           <p:spPr>
             <a:xfrm>
-              <a:off x="3881103" y="4608198"/>
-              <a:ext cx="522026" cy="0"/>
-            </a:xfrm>
-            <a:custGeom>
-              <a:avLst/>
-              <a:pathLst>
-                <a:path w="522026" h="0">
-                  <a:moveTo>
-                    <a:pt x="0" y="0"/>
-                  </a:moveTo>
-                  <a:lnTo>
-                    <a:pt x="522026" y="0"/>
+              <a:off x="4083162" y="4595777"/>
+              <a:ext cx="504756" cy="0"/>
+            </a:xfrm>
+            <a:custGeom>
+              <a:avLst/>
+              <a:pathLst>
+                <a:path w="504756" h="0">
+                  <a:moveTo>
+                    <a:pt x="0" y="0"/>
+                  </a:moveTo>
+                  <a:lnTo>
+                    <a:pt x="504756" y="0"/>
                   </a:lnTo>
                 </a:path>
               </a:pathLst>
@@ -3370,18 +3370,18 @@
           </p:nvSpPr>
           <p:spPr>
             <a:xfrm>
-              <a:off x="4142116" y="4608198"/>
-              <a:ext cx="0" cy="220046"/>
-            </a:xfrm>
-            <a:custGeom>
-              <a:avLst/>
-              <a:pathLst>
-                <a:path w="0" h="220046">
-                  <a:moveTo>
-                    <a:pt x="0" y="0"/>
-                  </a:moveTo>
-                  <a:lnTo>
-                    <a:pt x="0" y="220046"/>
+              <a:off x="4335540" y="4595777"/>
+              <a:ext cx="0" cy="204087"/>
+            </a:xfrm>
+            <a:custGeom>
+              <a:avLst/>
+              <a:pathLst>
+                <a:path w="0" h="204087">
+                  <a:moveTo>
+                    <a:pt x="0" y="0"/>
+                  </a:moveTo>
+                  <a:lnTo>
+                    <a:pt x="0" y="204087"/>
                   </a:lnTo>
                 </a:path>
               </a:pathLst>
@@ -3410,18 +3410,18 @@
           </p:nvSpPr>
           <p:spPr>
             <a:xfrm>
-              <a:off x="3881103" y="4828245"/>
-              <a:ext cx="522026" cy="0"/>
-            </a:xfrm>
-            <a:custGeom>
-              <a:avLst/>
-              <a:pathLst>
-                <a:path w="522026" h="0">
-                  <a:moveTo>
-                    <a:pt x="0" y="0"/>
-                  </a:moveTo>
-                  <a:lnTo>
-                    <a:pt x="522026" y="0"/>
+              <a:off x="4083162" y="4799864"/>
+              <a:ext cx="504756" cy="0"/>
+            </a:xfrm>
+            <a:custGeom>
+              <a:avLst/>
+              <a:pathLst>
+                <a:path w="504756" h="0">
+                  <a:moveTo>
+                    <a:pt x="0" y="0"/>
+                  </a:moveTo>
+                  <a:lnTo>
+                    <a:pt x="504756" y="0"/>
                   </a:lnTo>
                 </a:path>
               </a:pathLst>
@@ -3450,18 +3450,18 @@
           </p:nvSpPr>
           <p:spPr>
             <a:xfrm>
-              <a:off x="4925156" y="4193751"/>
-              <a:ext cx="522026" cy="0"/>
-            </a:xfrm>
-            <a:custGeom>
-              <a:avLst/>
-              <a:pathLst>
-                <a:path w="522026" h="0">
-                  <a:moveTo>
-                    <a:pt x="0" y="0"/>
-                  </a:moveTo>
-                  <a:lnTo>
-                    <a:pt x="522026" y="0"/>
+              <a:off x="5092674" y="4211387"/>
+              <a:ext cx="504756" cy="0"/>
+            </a:xfrm>
+            <a:custGeom>
+              <a:avLst/>
+              <a:pathLst>
+                <a:path w="504756" h="0">
+                  <a:moveTo>
+                    <a:pt x="0" y="0"/>
+                  </a:moveTo>
+                  <a:lnTo>
+                    <a:pt x="504756" y="0"/>
                   </a:lnTo>
                 </a:path>
               </a:pathLst>
@@ -3490,18 +3490,18 @@
           </p:nvSpPr>
           <p:spPr>
             <a:xfrm>
-              <a:off x="5186169" y="4193751"/>
-              <a:ext cx="0" cy="1556582"/>
-            </a:xfrm>
-            <a:custGeom>
-              <a:avLst/>
-              <a:pathLst>
-                <a:path w="0" h="1556582">
-                  <a:moveTo>
-                    <a:pt x="0" y="0"/>
-                  </a:moveTo>
-                  <a:lnTo>
-                    <a:pt x="0" y="1556582"/>
+              <a:off x="5345053" y="4211387"/>
+              <a:ext cx="0" cy="1443690"/>
+            </a:xfrm>
+            <a:custGeom>
+              <a:avLst/>
+              <a:pathLst>
+                <a:path w="0" h="1443690">
+                  <a:moveTo>
+                    <a:pt x="0" y="0"/>
+                  </a:moveTo>
+                  <a:lnTo>
+                    <a:pt x="0" y="1443690"/>
                   </a:lnTo>
                 </a:path>
               </a:pathLst>
@@ -3530,18 +3530,18 @@
           </p:nvSpPr>
           <p:spPr>
             <a:xfrm>
-              <a:off x="4925156" y="5750333"/>
-              <a:ext cx="522026" cy="0"/>
-            </a:xfrm>
-            <a:custGeom>
-              <a:avLst/>
-              <a:pathLst>
-                <a:path w="522026" h="0">
-                  <a:moveTo>
-                    <a:pt x="0" y="0"/>
-                  </a:moveTo>
-                  <a:lnTo>
-                    <a:pt x="522026" y="0"/>
+              <a:off x="5092674" y="5655077"/>
+              <a:ext cx="504756" cy="0"/>
+            </a:xfrm>
+            <a:custGeom>
+              <a:avLst/>
+              <a:pathLst>
+                <a:path w="504756" h="0">
+                  <a:moveTo>
+                    <a:pt x="0" y="0"/>
+                  </a:moveTo>
+                  <a:lnTo>
+                    <a:pt x="504756" y="0"/>
                   </a:lnTo>
                 </a:path>
               </a:pathLst>
@@ -3570,18 +3570,18 @@
           </p:nvSpPr>
           <p:spPr>
             <a:xfrm>
-              <a:off x="5969208" y="3366687"/>
-              <a:ext cx="522026" cy="0"/>
-            </a:xfrm>
-            <a:custGeom>
-              <a:avLst/>
-              <a:pathLst>
-                <a:path w="522026" h="0">
-                  <a:moveTo>
-                    <a:pt x="0" y="0"/>
-                  </a:moveTo>
-                  <a:lnTo>
-                    <a:pt x="522026" y="0"/>
+              <a:off x="6102187" y="3444307"/>
+              <a:ext cx="504756" cy="0"/>
+            </a:xfrm>
+            <a:custGeom>
+              <a:avLst/>
+              <a:pathLst>
+                <a:path w="504756" h="0">
+                  <a:moveTo>
+                    <a:pt x="0" y="0"/>
+                  </a:moveTo>
+                  <a:lnTo>
+                    <a:pt x="504756" y="0"/>
                   </a:lnTo>
                 </a:path>
               </a:pathLst>
@@ -3610,18 +3610,18 @@
           </p:nvSpPr>
           <p:spPr>
             <a:xfrm>
-              <a:off x="6230221" y="3366687"/>
-              <a:ext cx="0" cy="3309169"/>
-            </a:xfrm>
-            <a:custGeom>
-              <a:avLst/>
-              <a:pathLst>
-                <a:path w="0" h="3309169">
-                  <a:moveTo>
-                    <a:pt x="0" y="0"/>
-                  </a:moveTo>
-                  <a:lnTo>
-                    <a:pt x="0" y="3309169"/>
+              <a:off x="6354565" y="3444307"/>
+              <a:ext cx="0" cy="3069168"/>
+            </a:xfrm>
+            <a:custGeom>
+              <a:avLst/>
+              <a:pathLst>
+                <a:path w="0" h="3069168">
+                  <a:moveTo>
+                    <a:pt x="0" y="0"/>
+                  </a:moveTo>
+                  <a:lnTo>
+                    <a:pt x="0" y="3069168"/>
                   </a:lnTo>
                 </a:path>
               </a:pathLst>
@@ -3650,18 +3650,18 @@
           </p:nvSpPr>
           <p:spPr>
             <a:xfrm>
-              <a:off x="5969208" y="6675857"/>
-              <a:ext cx="522026" cy="0"/>
-            </a:xfrm>
-            <a:custGeom>
-              <a:avLst/>
-              <a:pathLst>
-                <a:path w="522026" h="0">
-                  <a:moveTo>
-                    <a:pt x="0" y="0"/>
-                  </a:moveTo>
-                  <a:lnTo>
-                    <a:pt x="522026" y="0"/>
+              <a:off x="6102187" y="6513476"/>
+              <a:ext cx="504756" cy="0"/>
+            </a:xfrm>
+            <a:custGeom>
+              <a:avLst/>
+              <a:pathLst>
+                <a:path w="504756" h="0">
+                  <a:moveTo>
+                    <a:pt x="0" y="0"/>
+                  </a:moveTo>
+                  <a:lnTo>
+                    <a:pt x="504756" y="0"/>
                   </a:lnTo>
                 </a:path>
               </a:pathLst>
@@ -3690,18 +3690,18 @@
           </p:nvSpPr>
           <p:spPr>
             <a:xfrm>
-              <a:off x="7013261" y="4016294"/>
-              <a:ext cx="522026" cy="0"/>
-            </a:xfrm>
-            <a:custGeom>
-              <a:avLst/>
-              <a:pathLst>
-                <a:path w="522026" h="0">
-                  <a:moveTo>
-                    <a:pt x="0" y="0"/>
-                  </a:moveTo>
-                  <a:lnTo>
-                    <a:pt x="522026" y="0"/>
+              <a:off x="7111700" y="4046801"/>
+              <a:ext cx="504756" cy="0"/>
+            </a:xfrm>
+            <a:custGeom>
+              <a:avLst/>
+              <a:pathLst>
+                <a:path w="504756" h="0">
+                  <a:moveTo>
+                    <a:pt x="0" y="0"/>
+                  </a:moveTo>
+                  <a:lnTo>
+                    <a:pt x="504756" y="0"/>
                   </a:lnTo>
                 </a:path>
               </a:pathLst>
@@ -3730,18 +3730,18 @@
           </p:nvSpPr>
           <p:spPr>
             <a:xfrm>
-              <a:off x="7274274" y="4016294"/>
-              <a:ext cx="0" cy="806684"/>
-            </a:xfrm>
-            <a:custGeom>
-              <a:avLst/>
-              <a:pathLst>
-                <a:path w="0" h="806684">
-                  <a:moveTo>
-                    <a:pt x="0" y="0"/>
-                  </a:moveTo>
-                  <a:lnTo>
-                    <a:pt x="0" y="806684"/>
+              <a:off x="7364078" y="4046801"/>
+              <a:ext cx="0" cy="748178"/>
+            </a:xfrm>
+            <a:custGeom>
+              <a:avLst/>
+              <a:pathLst>
+                <a:path w="0" h="748178">
+                  <a:moveTo>
+                    <a:pt x="0" y="0"/>
+                  </a:moveTo>
+                  <a:lnTo>
+                    <a:pt x="0" y="748178"/>
                   </a:lnTo>
                 </a:path>
               </a:pathLst>
@@ -3770,18 +3770,18 @@
           </p:nvSpPr>
           <p:spPr>
             <a:xfrm>
-              <a:off x="7013261" y="4822978"/>
-              <a:ext cx="522026" cy="0"/>
-            </a:xfrm>
-            <a:custGeom>
-              <a:avLst/>
-              <a:pathLst>
-                <a:path w="522026" h="0">
-                  <a:moveTo>
-                    <a:pt x="0" y="0"/>
-                  </a:moveTo>
-                  <a:lnTo>
-                    <a:pt x="522026" y="0"/>
+              <a:off x="7111700" y="4794980"/>
+              <a:ext cx="504756" cy="0"/>
+            </a:xfrm>
+            <a:custGeom>
+              <a:avLst/>
+              <a:pathLst>
+                <a:path w="504756" h="0">
+                  <a:moveTo>
+                    <a:pt x="0" y="0"/>
+                  </a:moveTo>
+                  <a:lnTo>
+                    <a:pt x="504756" y="0"/>
                   </a:lnTo>
                 </a:path>
               </a:pathLst>
@@ -3810,18 +3810,18 @@
           </p:nvSpPr>
           <p:spPr>
             <a:xfrm>
-              <a:off x="8057313" y="1922303"/>
-              <a:ext cx="522026" cy="0"/>
-            </a:xfrm>
-            <a:custGeom>
-              <a:avLst/>
-              <a:pathLst>
-                <a:path w="522026" h="0">
-                  <a:moveTo>
-                    <a:pt x="0" y="0"/>
-                  </a:moveTo>
-                  <a:lnTo>
-                    <a:pt x="522026" y="0"/>
+              <a:off x="8121212" y="2104678"/>
+              <a:ext cx="504756" cy="0"/>
+            </a:xfrm>
+            <a:custGeom>
+              <a:avLst/>
+              <a:pathLst>
+                <a:path w="504756" h="0">
+                  <a:moveTo>
+                    <a:pt x="0" y="0"/>
+                  </a:moveTo>
+                  <a:lnTo>
+                    <a:pt x="504756" y="0"/>
                   </a:lnTo>
                 </a:path>
               </a:pathLst>
@@ -3850,18 +3850,18 @@
           </p:nvSpPr>
           <p:spPr>
             <a:xfrm>
-              <a:off x="8318326" y="1922303"/>
-              <a:ext cx="0" cy="3905424"/>
-            </a:xfrm>
-            <a:custGeom>
-              <a:avLst/>
-              <a:pathLst>
-                <a:path w="0" h="3905424">
-                  <a:moveTo>
-                    <a:pt x="0" y="0"/>
-                  </a:moveTo>
-                  <a:lnTo>
-                    <a:pt x="0" y="3905424"/>
+              <a:off x="8373590" y="2104678"/>
+              <a:ext cx="0" cy="3622179"/>
+            </a:xfrm>
+            <a:custGeom>
+              <a:avLst/>
+              <a:pathLst>
+                <a:path w="0" h="3622179">
+                  <a:moveTo>
+                    <a:pt x="0" y="0"/>
+                  </a:moveTo>
+                  <a:lnTo>
+                    <a:pt x="0" y="3622179"/>
                   </a:lnTo>
                 </a:path>
               </a:pathLst>
@@ -3890,18 +3890,18 @@
           </p:nvSpPr>
           <p:spPr>
             <a:xfrm>
-              <a:off x="8057313" y="5827727"/>
-              <a:ext cx="522026" cy="0"/>
-            </a:xfrm>
-            <a:custGeom>
-              <a:avLst/>
-              <a:pathLst>
-                <a:path w="522026" h="0">
-                  <a:moveTo>
-                    <a:pt x="0" y="0"/>
-                  </a:moveTo>
-                  <a:lnTo>
-                    <a:pt x="522026" y="0"/>
+              <a:off x="8121212" y="5726858"/>
+              <a:ext cx="504756" cy="0"/>
+            </a:xfrm>
+            <a:custGeom>
+              <a:avLst/>
+              <a:pathLst>
+                <a:path w="504756" h="0">
+                  <a:moveTo>
+                    <a:pt x="0" y="0"/>
+                  </a:moveTo>
+                  <a:lnTo>
+                    <a:pt x="504756" y="0"/>
                   </a:lnTo>
                 </a:path>
               </a:pathLst>
@@ -3930,18 +3930,18 @@
           </p:nvSpPr>
           <p:spPr>
             <a:xfrm>
-              <a:off x="9101366" y="1644555"/>
-              <a:ext cx="522026" cy="0"/>
-            </a:xfrm>
-            <a:custGeom>
-              <a:avLst/>
-              <a:pathLst>
-                <a:path w="522026" h="0">
-                  <a:moveTo>
-                    <a:pt x="0" y="0"/>
-                  </a:moveTo>
-                  <a:lnTo>
-                    <a:pt x="522026" y="0"/>
+              <a:off x="9130725" y="1847074"/>
+              <a:ext cx="504756" cy="0"/>
+            </a:xfrm>
+            <a:custGeom>
+              <a:avLst/>
+              <a:pathLst>
+                <a:path w="504756" h="0">
+                  <a:moveTo>
+                    <a:pt x="0" y="0"/>
+                  </a:moveTo>
+                  <a:lnTo>
+                    <a:pt x="504756" y="0"/>
                   </a:lnTo>
                 </a:path>
               </a:pathLst>
@@ -3970,18 +3970,18 @@
           </p:nvSpPr>
           <p:spPr>
             <a:xfrm>
-              <a:off x="9362379" y="1644555"/>
-              <a:ext cx="0" cy="1972404"/>
-            </a:xfrm>
-            <a:custGeom>
-              <a:avLst/>
-              <a:pathLst>
-                <a:path w="0" h="1972404">
-                  <a:moveTo>
-                    <a:pt x="0" y="0"/>
-                  </a:moveTo>
-                  <a:lnTo>
-                    <a:pt x="0" y="1972404"/>
+              <a:off x="9383103" y="1847074"/>
+              <a:ext cx="0" cy="1829353"/>
+            </a:xfrm>
+            <a:custGeom>
+              <a:avLst/>
+              <a:pathLst>
+                <a:path w="0" h="1829353">
+                  <a:moveTo>
+                    <a:pt x="0" y="0"/>
+                  </a:moveTo>
+                  <a:lnTo>
+                    <a:pt x="0" y="1829353"/>
                   </a:lnTo>
                 </a:path>
               </a:pathLst>
@@ -4010,18 +4010,18 @@
           </p:nvSpPr>
           <p:spPr>
             <a:xfrm>
-              <a:off x="9101366" y="3616959"/>
-              <a:ext cx="522026" cy="0"/>
-            </a:xfrm>
-            <a:custGeom>
-              <a:avLst/>
-              <a:pathLst>
-                <a:path w="522026" h="0">
-                  <a:moveTo>
-                    <a:pt x="0" y="0"/>
-                  </a:moveTo>
-                  <a:lnTo>
-                    <a:pt x="522026" y="0"/>
+              <a:off x="9130725" y="3676428"/>
+              <a:ext cx="504756" cy="0"/>
+            </a:xfrm>
+            <a:custGeom>
+              <a:avLst/>
+              <a:pathLst>
+                <a:path w="504756" h="0">
+                  <a:moveTo>
+                    <a:pt x="0" y="0"/>
+                  </a:moveTo>
+                  <a:lnTo>
+                    <a:pt x="504756" y="0"/>
                   </a:lnTo>
                 </a:path>
               </a:pathLst>
@@ -4050,15 +4050,15 @@
           </p:nvSpPr>
           <p:spPr>
             <a:xfrm>
-              <a:off x="2054011" y="3957676"/>
-              <a:ext cx="0" cy="1302418"/>
-            </a:xfrm>
-            <a:custGeom>
-              <a:avLst/>
-              <a:pathLst>
-                <a:path w="0" h="1302418">
-                  <a:moveTo>
-                    <a:pt x="0" y="1302418"/>
+              <a:off x="2316515" y="3992434"/>
+              <a:ext cx="0" cy="1207959"/>
+            </a:xfrm>
+            <a:custGeom>
+              <a:avLst/>
+              <a:pathLst>
+                <a:path w="0" h="1207959">
+                  <a:moveTo>
+                    <a:pt x="0" y="1207959"/>
                   </a:moveTo>
                   <a:lnTo>
                     <a:pt x="0" y="0"/>
@@ -4090,18 +4090,18 @@
           </p:nvSpPr>
           <p:spPr>
             <a:xfrm>
-              <a:off x="2054011" y="6171020"/>
-              <a:ext cx="0" cy="464536"/>
-            </a:xfrm>
-            <a:custGeom>
-              <a:avLst/>
-              <a:pathLst>
-                <a:path w="0" h="464536">
-                  <a:moveTo>
-                    <a:pt x="0" y="0"/>
-                  </a:moveTo>
-                  <a:lnTo>
-                    <a:pt x="0" y="464536"/>
+              <a:off x="2316515" y="6045254"/>
+              <a:ext cx="0" cy="430845"/>
+            </a:xfrm>
+            <a:custGeom>
+              <a:avLst/>
+              <a:pathLst>
+                <a:path w="0" h="430845">
+                  <a:moveTo>
+                    <a:pt x="0" y="0"/>
+                  </a:moveTo>
+                  <a:lnTo>
+                    <a:pt x="0" y="430845"/>
                   </a:lnTo>
                 </a:path>
               </a:pathLst>
@@ -4130,24 +4130,24 @@
           </p:nvSpPr>
           <p:spPr>
             <a:xfrm>
-              <a:off x="1662492" y="5260094"/>
-              <a:ext cx="783039" cy="910925"/>
-            </a:xfrm>
-            <a:custGeom>
-              <a:avLst/>
-              <a:pathLst>
-                <a:path w="783039" h="910925">
-                  <a:moveTo>
-                    <a:pt x="0" y="0"/>
-                  </a:moveTo>
-                  <a:lnTo>
-                    <a:pt x="0" y="910925"/>
-                  </a:lnTo>
-                  <a:lnTo>
-                    <a:pt x="783039" y="910925"/>
-                  </a:lnTo>
-                  <a:lnTo>
-                    <a:pt x="783039" y="0"/>
+              <a:off x="1937948" y="5200394"/>
+              <a:ext cx="757134" cy="844860"/>
+            </a:xfrm>
+            <a:custGeom>
+              <a:avLst/>
+              <a:pathLst>
+                <a:path w="757134" h="844860">
+                  <a:moveTo>
+                    <a:pt x="0" y="0"/>
+                  </a:moveTo>
+                  <a:lnTo>
+                    <a:pt x="0" y="844860"/>
+                  </a:lnTo>
+                  <a:lnTo>
+                    <a:pt x="757134" y="844860"/>
+                  </a:lnTo>
+                  <a:lnTo>
+                    <a:pt x="757134" y="0"/>
                   </a:lnTo>
                   <a:close/>
                 </a:path>
@@ -4182,18 +4182,18 @@
           </p:nvSpPr>
           <p:spPr>
             <a:xfrm>
-              <a:off x="1662492" y="5904206"/>
-              <a:ext cx="783039" cy="0"/>
-            </a:xfrm>
-            <a:custGeom>
-              <a:avLst/>
-              <a:pathLst>
-                <a:path w="783039" h="0">
-                  <a:moveTo>
-                    <a:pt x="0" y="0"/>
-                  </a:moveTo>
-                  <a:lnTo>
-                    <a:pt x="783039" y="0"/>
+              <a:off x="1937948" y="5797790"/>
+              <a:ext cx="757134" cy="0"/>
+            </a:xfrm>
+            <a:custGeom>
+              <a:avLst/>
+              <a:pathLst>
+                <a:path w="757134" h="0">
+                  <a:moveTo>
+                    <a:pt x="0" y="0"/>
+                  </a:moveTo>
+                  <a:lnTo>
+                    <a:pt x="757134" y="0"/>
                   </a:lnTo>
                 </a:path>
               </a:pathLst>
@@ -4222,15 +4222,15 @@
           </p:nvSpPr>
           <p:spPr>
             <a:xfrm>
-              <a:off x="3098064" y="2904613"/>
-              <a:ext cx="0" cy="297383"/>
-            </a:xfrm>
-            <a:custGeom>
-              <a:avLst/>
-              <a:pathLst>
-                <a:path w="0" h="297383">
-                  <a:moveTo>
-                    <a:pt x="0" y="297383"/>
+              <a:off x="3326027" y="3015745"/>
+              <a:ext cx="0" cy="275815"/>
+            </a:xfrm>
+            <a:custGeom>
+              <a:avLst/>
+              <a:pathLst>
+                <a:path w="0" h="275815">
+                  <a:moveTo>
+                    <a:pt x="0" y="275815"/>
                   </a:moveTo>
                   <a:lnTo>
                     <a:pt x="0" y="0"/>
@@ -4262,18 +4262,18 @@
           </p:nvSpPr>
           <p:spPr>
             <a:xfrm>
-              <a:off x="3098064" y="4168620"/>
-              <a:ext cx="0" cy="1443639"/>
-            </a:xfrm>
-            <a:custGeom>
-              <a:avLst/>
-              <a:pathLst>
-                <a:path w="0" h="1443639">
-                  <a:moveTo>
-                    <a:pt x="0" y="0"/>
-                  </a:moveTo>
-                  <a:lnTo>
-                    <a:pt x="0" y="1443639"/>
+              <a:off x="3326027" y="4188080"/>
+              <a:ext cx="0" cy="1338938"/>
+            </a:xfrm>
+            <a:custGeom>
+              <a:avLst/>
+              <a:pathLst>
+                <a:path w="0" h="1338938">
+                  <a:moveTo>
+                    <a:pt x="0" y="0"/>
+                  </a:moveTo>
+                  <a:lnTo>
+                    <a:pt x="0" y="1338938"/>
                   </a:lnTo>
                 </a:path>
               </a:pathLst>
@@ -4302,24 +4302,24 @@
           </p:nvSpPr>
           <p:spPr>
             <a:xfrm>
-              <a:off x="2706544" y="3201996"/>
-              <a:ext cx="783039" cy="966624"/>
-            </a:xfrm>
-            <a:custGeom>
-              <a:avLst/>
-              <a:pathLst>
-                <a:path w="783039" h="966624">
-                  <a:moveTo>
-                    <a:pt x="0" y="0"/>
-                  </a:moveTo>
-                  <a:lnTo>
-                    <a:pt x="0" y="966624"/>
-                  </a:lnTo>
-                  <a:lnTo>
-                    <a:pt x="783039" y="966624"/>
-                  </a:lnTo>
-                  <a:lnTo>
-                    <a:pt x="783039" y="0"/>
+              <a:off x="2947460" y="3291560"/>
+              <a:ext cx="757134" cy="896519"/>
+            </a:xfrm>
+            <a:custGeom>
+              <a:avLst/>
+              <a:pathLst>
+                <a:path w="757134" h="896519">
+                  <a:moveTo>
+                    <a:pt x="0" y="0"/>
+                  </a:moveTo>
+                  <a:lnTo>
+                    <a:pt x="0" y="896519"/>
+                  </a:lnTo>
+                  <a:lnTo>
+                    <a:pt x="757134" y="896519"/>
+                  </a:lnTo>
+                  <a:lnTo>
+                    <a:pt x="757134" y="0"/>
                   </a:lnTo>
                   <a:close/>
                 </a:path>
@@ -4354,18 +4354,18 @@
           </p:nvSpPr>
           <p:spPr>
             <a:xfrm>
-              <a:off x="2706544" y="3364855"/>
-              <a:ext cx="783039" cy="0"/>
-            </a:xfrm>
-            <a:custGeom>
-              <a:avLst/>
-              <a:pathLst>
-                <a:path w="783039" h="0">
-                  <a:moveTo>
-                    <a:pt x="0" y="0"/>
-                  </a:moveTo>
-                  <a:lnTo>
-                    <a:pt x="783039" y="0"/>
+              <a:off x="2947460" y="3442608"/>
+              <a:ext cx="757134" cy="0"/>
+            </a:xfrm>
+            <a:custGeom>
+              <a:avLst/>
+              <a:pathLst>
+                <a:path w="757134" h="0">
+                  <a:moveTo>
+                    <a:pt x="0" y="0"/>
+                  </a:moveTo>
+                  <a:lnTo>
+                    <a:pt x="757134" y="0"/>
                   </a:lnTo>
                 </a:path>
               </a:pathLst>
@@ -4394,15 +4394,15 @@
           </p:nvSpPr>
           <p:spPr>
             <a:xfrm>
-              <a:off x="4142116" y="4608198"/>
-              <a:ext cx="0" cy="22668"/>
-            </a:xfrm>
-            <a:custGeom>
-              <a:avLst/>
-              <a:pathLst>
-                <a:path w="0" h="22668">
-                  <a:moveTo>
-                    <a:pt x="0" y="22668"/>
+              <a:off x="4335540" y="4595777"/>
+              <a:ext cx="0" cy="21024"/>
+            </a:xfrm>
+            <a:custGeom>
+              <a:avLst/>
+              <a:pathLst>
+                <a:path w="0" h="21024">
+                  <a:moveTo>
+                    <a:pt x="0" y="21024"/>
                   </a:moveTo>
                   <a:lnTo>
                     <a:pt x="0" y="0"/>
@@ -4434,18 +4434,18 @@
           </p:nvSpPr>
           <p:spPr>
             <a:xfrm>
-              <a:off x="4142116" y="4764131"/>
-              <a:ext cx="0" cy="64113"/>
-            </a:xfrm>
-            <a:custGeom>
-              <a:avLst/>
-              <a:pathLst>
-                <a:path w="0" h="64113">
-                  <a:moveTo>
-                    <a:pt x="0" y="0"/>
-                  </a:moveTo>
-                  <a:lnTo>
-                    <a:pt x="0" y="64113"/>
+              <a:off x="4335540" y="4740400"/>
+              <a:ext cx="0" cy="59463"/>
+            </a:xfrm>
+            <a:custGeom>
+              <a:avLst/>
+              <a:pathLst>
+                <a:path w="0" h="59463">
+                  <a:moveTo>
+                    <a:pt x="0" y="0"/>
+                  </a:moveTo>
+                  <a:lnTo>
+                    <a:pt x="0" y="59463"/>
                   </a:lnTo>
                 </a:path>
               </a:pathLst>
@@ -4474,24 +4474,24 @@
           </p:nvSpPr>
           <p:spPr>
             <a:xfrm>
-              <a:off x="3750597" y="4630867"/>
-              <a:ext cx="783039" cy="133264"/>
-            </a:xfrm>
-            <a:custGeom>
-              <a:avLst/>
-              <a:pathLst>
-                <a:path w="783039" h="133264">
-                  <a:moveTo>
-                    <a:pt x="0" y="0"/>
-                  </a:moveTo>
-                  <a:lnTo>
-                    <a:pt x="0" y="133264"/>
-                  </a:lnTo>
-                  <a:lnTo>
-                    <a:pt x="783039" y="133264"/>
-                  </a:lnTo>
-                  <a:lnTo>
-                    <a:pt x="783039" y="0"/>
+              <a:off x="3956973" y="4616801"/>
+              <a:ext cx="757134" cy="123599"/>
+            </a:xfrm>
+            <a:custGeom>
+              <a:avLst/>
+              <a:pathLst>
+                <a:path w="757134" h="123599">
+                  <a:moveTo>
+                    <a:pt x="0" y="0"/>
+                  </a:moveTo>
+                  <a:lnTo>
+                    <a:pt x="0" y="123599"/>
+                  </a:lnTo>
+                  <a:lnTo>
+                    <a:pt x="757134" y="123599"/>
+                  </a:lnTo>
+                  <a:lnTo>
+                    <a:pt x="757134" y="0"/>
                   </a:lnTo>
                   <a:close/>
                 </a:path>
@@ -4526,18 +4526,18 @@
           </p:nvSpPr>
           <p:spPr>
             <a:xfrm>
-              <a:off x="3750597" y="4661779"/>
-              <a:ext cx="783039" cy="0"/>
-            </a:xfrm>
-            <a:custGeom>
-              <a:avLst/>
-              <a:pathLst>
-                <a:path w="783039" h="0">
-                  <a:moveTo>
-                    <a:pt x="0" y="0"/>
-                  </a:moveTo>
-                  <a:lnTo>
-                    <a:pt x="783039" y="0"/>
+              <a:off x="3956973" y="4645471"/>
+              <a:ext cx="757134" cy="0"/>
+            </a:xfrm>
+            <a:custGeom>
+              <a:avLst/>
+              <a:pathLst>
+                <a:path w="757134" h="0">
+                  <a:moveTo>
+                    <a:pt x="0" y="0"/>
+                  </a:moveTo>
+                  <a:lnTo>
+                    <a:pt x="757134" y="0"/>
                   </a:lnTo>
                 </a:path>
               </a:pathLst>
@@ -4566,15 +4566,15 @@
           </p:nvSpPr>
           <p:spPr>
             <a:xfrm>
-              <a:off x="5186169" y="4193751"/>
-              <a:ext cx="0" cy="627910"/>
-            </a:xfrm>
-            <a:custGeom>
-              <a:avLst/>
-              <a:pathLst>
-                <a:path w="0" h="627910">
-                  <a:moveTo>
-                    <a:pt x="0" y="627910"/>
+              <a:off x="5345053" y="4211387"/>
+              <a:ext cx="0" cy="582371"/>
+            </a:xfrm>
+            <a:custGeom>
+              <a:avLst/>
+              <a:pathLst>
+                <a:path w="0" h="582371">
+                  <a:moveTo>
+                    <a:pt x="0" y="582371"/>
                   </a:moveTo>
                   <a:lnTo>
                     <a:pt x="0" y="0"/>
@@ -4606,18 +4606,18 @@
           </p:nvSpPr>
           <p:spPr>
             <a:xfrm>
-              <a:off x="5186169" y="5354891"/>
-              <a:ext cx="0" cy="395442"/>
-            </a:xfrm>
-            <a:custGeom>
-              <a:avLst/>
-              <a:pathLst>
-                <a:path w="0" h="395442">
-                  <a:moveTo>
-                    <a:pt x="0" y="0"/>
-                  </a:moveTo>
-                  <a:lnTo>
-                    <a:pt x="0" y="395442"/>
+              <a:off x="5345053" y="5288315"/>
+              <a:ext cx="0" cy="366762"/>
+            </a:xfrm>
+            <a:custGeom>
+              <a:avLst/>
+              <a:pathLst>
+                <a:path w="0" h="366762">
+                  <a:moveTo>
+                    <a:pt x="0" y="0"/>
+                  </a:moveTo>
+                  <a:lnTo>
+                    <a:pt x="0" y="366762"/>
                   </a:lnTo>
                 </a:path>
               </a:pathLst>
@@ -4646,24 +4646,24 @@
           </p:nvSpPr>
           <p:spPr>
             <a:xfrm>
-              <a:off x="4794649" y="4821662"/>
-              <a:ext cx="783039" cy="533229"/>
-            </a:xfrm>
-            <a:custGeom>
-              <a:avLst/>
-              <a:pathLst>
-                <a:path w="783039" h="533229">
-                  <a:moveTo>
-                    <a:pt x="0" y="0"/>
-                  </a:moveTo>
-                  <a:lnTo>
-                    <a:pt x="0" y="533229"/>
-                  </a:lnTo>
-                  <a:lnTo>
-                    <a:pt x="783039" y="533229"/>
-                  </a:lnTo>
-                  <a:lnTo>
-                    <a:pt x="783039" y="0"/>
+              <a:off x="4966485" y="4793758"/>
+              <a:ext cx="757134" cy="494556"/>
+            </a:xfrm>
+            <a:custGeom>
+              <a:avLst/>
+              <a:pathLst>
+                <a:path w="757134" h="494556">
+                  <a:moveTo>
+                    <a:pt x="0" y="0"/>
+                  </a:moveTo>
+                  <a:lnTo>
+                    <a:pt x="0" y="494556"/>
+                  </a:lnTo>
+                  <a:lnTo>
+                    <a:pt x="757134" y="494556"/>
+                  </a:lnTo>
+                  <a:lnTo>
+                    <a:pt x="757134" y="0"/>
                   </a:lnTo>
                   <a:close/>
                 </a:path>
@@ -4698,18 +4698,18 @@
           </p:nvSpPr>
           <p:spPr>
             <a:xfrm>
-              <a:off x="4794649" y="5115152"/>
-              <a:ext cx="783039" cy="0"/>
-            </a:xfrm>
-            <a:custGeom>
-              <a:avLst/>
-              <a:pathLst>
-                <a:path w="783039" h="0">
-                  <a:moveTo>
-                    <a:pt x="0" y="0"/>
-                  </a:moveTo>
-                  <a:lnTo>
-                    <a:pt x="783039" y="0"/>
+              <a:off x="4966485" y="5065963"/>
+              <a:ext cx="757134" cy="0"/>
+            </a:xfrm>
+            <a:custGeom>
+              <a:avLst/>
+              <a:pathLst>
+                <a:path w="757134" h="0">
+                  <a:moveTo>
+                    <a:pt x="0" y="0"/>
+                  </a:moveTo>
+                  <a:lnTo>
+                    <a:pt x="757134" y="0"/>
                   </a:lnTo>
                 </a:path>
               </a:pathLst>
@@ -4738,15 +4738,15 @@
           </p:nvSpPr>
           <p:spPr>
             <a:xfrm>
-              <a:off x="6230221" y="3366687"/>
-              <a:ext cx="0" cy="546338"/>
-            </a:xfrm>
-            <a:custGeom>
-              <a:avLst/>
-              <a:pathLst>
-                <a:path w="0" h="546338">
-                  <a:moveTo>
-                    <a:pt x="0" y="546338"/>
+              <a:off x="6354565" y="3444307"/>
+              <a:ext cx="0" cy="506714"/>
+            </a:xfrm>
+            <a:custGeom>
+              <a:avLst/>
+              <a:pathLst>
+                <a:path w="0" h="506714">
+                  <a:moveTo>
+                    <a:pt x="0" y="506714"/>
                   </a:moveTo>
                   <a:lnTo>
                     <a:pt x="0" y="0"/>
@@ -4778,18 +4778,18 @@
           </p:nvSpPr>
           <p:spPr>
             <a:xfrm>
-              <a:off x="6230221" y="6336628"/>
-              <a:ext cx="0" cy="339228"/>
-            </a:xfrm>
-            <a:custGeom>
-              <a:avLst/>
-              <a:pathLst>
-                <a:path w="0" h="339228">
-                  <a:moveTo>
-                    <a:pt x="0" y="0"/>
-                  </a:moveTo>
-                  <a:lnTo>
-                    <a:pt x="0" y="339228"/>
+              <a:off x="6354565" y="6198850"/>
+              <a:ext cx="0" cy="314625"/>
+            </a:xfrm>
+            <a:custGeom>
+              <a:avLst/>
+              <a:pathLst>
+                <a:path w="0" h="314625">
+                  <a:moveTo>
+                    <a:pt x="0" y="0"/>
+                  </a:moveTo>
+                  <a:lnTo>
+                    <a:pt x="0" y="314625"/>
                   </a:lnTo>
                 </a:path>
               </a:pathLst>
@@ -4818,24 +4818,24 @@
           </p:nvSpPr>
           <p:spPr>
             <a:xfrm>
-              <a:off x="5838702" y="3913025"/>
-              <a:ext cx="783039" cy="2423602"/>
-            </a:xfrm>
-            <a:custGeom>
-              <a:avLst/>
-              <a:pathLst>
-                <a:path w="783039" h="2423602">
-                  <a:moveTo>
-                    <a:pt x="0" y="0"/>
-                  </a:moveTo>
-                  <a:lnTo>
-                    <a:pt x="0" y="2423602"/>
-                  </a:lnTo>
-                  <a:lnTo>
-                    <a:pt x="783039" y="2423602"/>
-                  </a:lnTo>
-                  <a:lnTo>
-                    <a:pt x="783039" y="0"/>
+              <a:off x="5975998" y="3951022"/>
+              <a:ext cx="757134" cy="2247828"/>
+            </a:xfrm>
+            <a:custGeom>
+              <a:avLst/>
+              <a:pathLst>
+                <a:path w="757134" h="2247828">
+                  <a:moveTo>
+                    <a:pt x="0" y="0"/>
+                  </a:moveTo>
+                  <a:lnTo>
+                    <a:pt x="0" y="2247828"/>
+                  </a:lnTo>
+                  <a:lnTo>
+                    <a:pt x="757134" y="2247828"/>
+                  </a:lnTo>
+                  <a:lnTo>
+                    <a:pt x="757134" y="0"/>
                   </a:lnTo>
                   <a:close/>
                 </a:path>
@@ -4870,18 +4870,18 @@
           </p:nvSpPr>
           <p:spPr>
             <a:xfrm>
-              <a:off x="5838702" y="5683930"/>
-              <a:ext cx="783039" cy="0"/>
-            </a:xfrm>
-            <a:custGeom>
-              <a:avLst/>
-              <a:pathLst>
-                <a:path w="783039" h="0">
-                  <a:moveTo>
-                    <a:pt x="0" y="0"/>
-                  </a:moveTo>
-                  <a:lnTo>
-                    <a:pt x="783039" y="0"/>
+              <a:off x="5975998" y="5593490"/>
+              <a:ext cx="757134" cy="0"/>
+            </a:xfrm>
+            <a:custGeom>
+              <a:avLst/>
+              <a:pathLst>
+                <a:path w="757134" h="0">
+                  <a:moveTo>
+                    <a:pt x="0" y="0"/>
+                  </a:moveTo>
+                  <a:lnTo>
+                    <a:pt x="757134" y="0"/>
                   </a:lnTo>
                 </a:path>
               </a:pathLst>
@@ -4910,15 +4910,15 @@
           </p:nvSpPr>
           <p:spPr>
             <a:xfrm>
-              <a:off x="7274274" y="4016294"/>
-              <a:ext cx="0" cy="96112"/>
-            </a:xfrm>
-            <a:custGeom>
-              <a:avLst/>
-              <a:pathLst>
-                <a:path w="0" h="96112">
-                  <a:moveTo>
-                    <a:pt x="0" y="96112"/>
+              <a:off x="7364078" y="4046801"/>
+              <a:ext cx="0" cy="89142"/>
+            </a:xfrm>
+            <a:custGeom>
+              <a:avLst/>
+              <a:pathLst>
+                <a:path w="0" h="89142">
+                  <a:moveTo>
+                    <a:pt x="0" y="89142"/>
                   </a:moveTo>
                   <a:lnTo>
                     <a:pt x="0" y="0"/>
@@ -4950,18 +4950,18 @@
           </p:nvSpPr>
           <p:spPr>
             <a:xfrm>
-              <a:off x="7274274" y="4462855"/>
-              <a:ext cx="0" cy="360122"/>
-            </a:xfrm>
-            <a:custGeom>
-              <a:avLst/>
-              <a:pathLst>
-                <a:path w="0" h="360122">
-                  <a:moveTo>
-                    <a:pt x="0" y="0"/>
-                  </a:moveTo>
-                  <a:lnTo>
-                    <a:pt x="0" y="360122"/>
+              <a:off x="7364078" y="4460975"/>
+              <a:ext cx="0" cy="334004"/>
+            </a:xfrm>
+            <a:custGeom>
+              <a:avLst/>
+              <a:pathLst>
+                <a:path w="0" h="334004">
+                  <a:moveTo>
+                    <a:pt x="0" y="0"/>
+                  </a:moveTo>
+                  <a:lnTo>
+                    <a:pt x="0" y="334004"/>
                   </a:lnTo>
                 </a:path>
               </a:pathLst>
@@ -4990,24 +4990,24 @@
           </p:nvSpPr>
           <p:spPr>
             <a:xfrm>
-              <a:off x="6882754" y="4112407"/>
-              <a:ext cx="783039" cy="350448"/>
-            </a:xfrm>
-            <a:custGeom>
-              <a:avLst/>
-              <a:pathLst>
-                <a:path w="783039" h="350448">
-                  <a:moveTo>
-                    <a:pt x="0" y="0"/>
-                  </a:moveTo>
-                  <a:lnTo>
-                    <a:pt x="0" y="350448"/>
-                  </a:lnTo>
-                  <a:lnTo>
-                    <a:pt x="783039" y="350448"/>
-                  </a:lnTo>
-                  <a:lnTo>
-                    <a:pt x="783039" y="0"/>
+              <a:off x="6985511" y="4135943"/>
+              <a:ext cx="757134" cy="325032"/>
+            </a:xfrm>
+            <a:custGeom>
+              <a:avLst/>
+              <a:pathLst>
+                <a:path w="757134" h="325032">
+                  <a:moveTo>
+                    <a:pt x="0" y="0"/>
+                  </a:moveTo>
+                  <a:lnTo>
+                    <a:pt x="0" y="325032"/>
+                  </a:lnTo>
+                  <a:lnTo>
+                    <a:pt x="757134" y="325032"/>
+                  </a:lnTo>
+                  <a:lnTo>
+                    <a:pt x="757134" y="0"/>
                   </a:lnTo>
                   <a:close/>
                 </a:path>
@@ -5042,18 +5042,18 @@
           </p:nvSpPr>
           <p:spPr>
             <a:xfrm>
-              <a:off x="6882754" y="4293241"/>
-              <a:ext cx="783039" cy="0"/>
-            </a:xfrm>
-            <a:custGeom>
-              <a:avLst/>
-              <a:pathLst>
-                <a:path w="783039" h="0">
-                  <a:moveTo>
-                    <a:pt x="0" y="0"/>
-                  </a:moveTo>
-                  <a:lnTo>
-                    <a:pt x="783039" y="0"/>
+              <a:off x="6985511" y="4303662"/>
+              <a:ext cx="757134" cy="0"/>
+            </a:xfrm>
+            <a:custGeom>
+              <a:avLst/>
+              <a:pathLst>
+                <a:path w="757134" h="0">
+                  <a:moveTo>
+                    <a:pt x="0" y="0"/>
+                  </a:moveTo>
+                  <a:lnTo>
+                    <a:pt x="757134" y="0"/>
                   </a:lnTo>
                 </a:path>
               </a:pathLst>
@@ -5082,15 +5082,15 @@
           </p:nvSpPr>
           <p:spPr>
             <a:xfrm>
-              <a:off x="8318326" y="1922303"/>
-              <a:ext cx="0" cy="530195"/>
-            </a:xfrm>
-            <a:custGeom>
-              <a:avLst/>
-              <a:pathLst>
-                <a:path w="0" h="530195">
-                  <a:moveTo>
-                    <a:pt x="0" y="530195"/>
+              <a:off x="8373590" y="2104678"/>
+              <a:ext cx="0" cy="491742"/>
+            </a:xfrm>
+            <a:custGeom>
+              <a:avLst/>
+              <a:pathLst>
+                <a:path w="0" h="491742">
+                  <a:moveTo>
+                    <a:pt x="0" y="491742"/>
                   </a:moveTo>
                   <a:lnTo>
                     <a:pt x="0" y="0"/>
@@ -5122,18 +5122,18 @@
           </p:nvSpPr>
           <p:spPr>
             <a:xfrm>
-              <a:off x="8318326" y="4294729"/>
-              <a:ext cx="0" cy="1532998"/>
-            </a:xfrm>
-            <a:custGeom>
-              <a:avLst/>
-              <a:pathLst>
-                <a:path w="0" h="1532998">
-                  <a:moveTo>
-                    <a:pt x="0" y="0"/>
-                  </a:moveTo>
-                  <a:lnTo>
-                    <a:pt x="0" y="1532998"/>
+              <a:off x="8373590" y="4305042"/>
+              <a:ext cx="0" cy="1421816"/>
+            </a:xfrm>
+            <a:custGeom>
+              <a:avLst/>
+              <a:pathLst>
+                <a:path w="0" h="1421816">
+                  <a:moveTo>
+                    <a:pt x="0" y="0"/>
+                  </a:moveTo>
+                  <a:lnTo>
+                    <a:pt x="0" y="1421816"/>
                   </a:lnTo>
                 </a:path>
               </a:pathLst>
@@ -5162,24 +5162,24 @@
           </p:nvSpPr>
           <p:spPr>
             <a:xfrm>
-              <a:off x="7926807" y="2452498"/>
-              <a:ext cx="783039" cy="1842230"/>
-            </a:xfrm>
-            <a:custGeom>
-              <a:avLst/>
-              <a:pathLst>
-                <a:path w="783039" h="1842230">
-                  <a:moveTo>
-                    <a:pt x="0" y="0"/>
-                  </a:moveTo>
-                  <a:lnTo>
-                    <a:pt x="0" y="1842230"/>
-                  </a:lnTo>
-                  <a:lnTo>
-                    <a:pt x="783039" y="1842230"/>
-                  </a:lnTo>
-                  <a:lnTo>
-                    <a:pt x="783039" y="0"/>
+              <a:off x="7995023" y="2596421"/>
+              <a:ext cx="757134" cy="1708621"/>
+            </a:xfrm>
+            <a:custGeom>
+              <a:avLst/>
+              <a:pathLst>
+                <a:path w="757134" h="1708621">
+                  <a:moveTo>
+                    <a:pt x="0" y="0"/>
+                  </a:moveTo>
+                  <a:lnTo>
+                    <a:pt x="0" y="1708621"/>
+                  </a:lnTo>
+                  <a:lnTo>
+                    <a:pt x="757134" y="1708621"/>
+                  </a:lnTo>
+                  <a:lnTo>
+                    <a:pt x="757134" y="0"/>
                   </a:lnTo>
                   <a:close/>
                 </a:path>
@@ -5214,18 +5214,18 @@
           </p:nvSpPr>
           <p:spPr>
             <a:xfrm>
-              <a:off x="7926807" y="3863452"/>
-              <a:ext cx="783039" cy="0"/>
-            </a:xfrm>
-            <a:custGeom>
-              <a:avLst/>
-              <a:pathLst>
-                <a:path w="783039" h="0">
-                  <a:moveTo>
-                    <a:pt x="0" y="0"/>
-                  </a:moveTo>
-                  <a:lnTo>
-                    <a:pt x="783039" y="0"/>
+              <a:off x="7995023" y="3905044"/>
+              <a:ext cx="757134" cy="0"/>
+            </a:xfrm>
+            <a:custGeom>
+              <a:avLst/>
+              <a:pathLst>
+                <a:path w="757134" h="0">
+                  <a:moveTo>
+                    <a:pt x="0" y="0"/>
+                  </a:moveTo>
+                  <a:lnTo>
+                    <a:pt x="757134" y="0"/>
                   </a:lnTo>
                 </a:path>
               </a:pathLst>
@@ -5254,15 +5254,15 @@
           </p:nvSpPr>
           <p:spPr>
             <a:xfrm>
-              <a:off x="9362379" y="1644555"/>
-              <a:ext cx="0" cy="300474"/>
-            </a:xfrm>
-            <a:custGeom>
-              <a:avLst/>
-              <a:pathLst>
-                <a:path w="0" h="300474">
-                  <a:moveTo>
-                    <a:pt x="0" y="300474"/>
+              <a:off x="9383103" y="1847074"/>
+              <a:ext cx="0" cy="278682"/>
+            </a:xfrm>
+            <a:custGeom>
+              <a:avLst/>
+              <a:pathLst>
+                <a:path w="0" h="278682">
+                  <a:moveTo>
+                    <a:pt x="0" y="278682"/>
                   </a:moveTo>
                   <a:lnTo>
                     <a:pt x="0" y="0"/>
@@ -5294,18 +5294,18 @@
           </p:nvSpPr>
           <p:spPr>
             <a:xfrm>
-              <a:off x="9362379" y="2635737"/>
-              <a:ext cx="0" cy="981221"/>
-            </a:xfrm>
-            <a:custGeom>
-              <a:avLst/>
-              <a:pathLst>
-                <a:path w="0" h="981221">
-                  <a:moveTo>
-                    <a:pt x="0" y="0"/>
-                  </a:moveTo>
-                  <a:lnTo>
-                    <a:pt x="0" y="981221"/>
+              <a:off x="9383103" y="2766370"/>
+              <a:ext cx="0" cy="910057"/>
+            </a:xfrm>
+            <a:custGeom>
+              <a:avLst/>
+              <a:pathLst>
+                <a:path w="0" h="910057">
+                  <a:moveTo>
+                    <a:pt x="0" y="0"/>
+                  </a:moveTo>
+                  <a:lnTo>
+                    <a:pt x="0" y="910057"/>
                   </a:lnTo>
                 </a:path>
               </a:pathLst>
@@ -5334,24 +5334,24 @@
           </p:nvSpPr>
           <p:spPr>
             <a:xfrm>
-              <a:off x="8970859" y="1945029"/>
-              <a:ext cx="783039" cy="690707"/>
-            </a:xfrm>
-            <a:custGeom>
-              <a:avLst/>
-              <a:pathLst>
-                <a:path w="783039" h="690707">
-                  <a:moveTo>
-                    <a:pt x="0" y="0"/>
-                  </a:moveTo>
-                  <a:lnTo>
-                    <a:pt x="0" y="690707"/>
-                  </a:lnTo>
-                  <a:lnTo>
-                    <a:pt x="783039" y="690707"/>
-                  </a:lnTo>
-                  <a:lnTo>
-                    <a:pt x="783039" y="0"/>
+              <a:off x="9004536" y="2125756"/>
+              <a:ext cx="757134" cy="640613"/>
+            </a:xfrm>
+            <a:custGeom>
+              <a:avLst/>
+              <a:pathLst>
+                <a:path w="757134" h="640613">
+                  <a:moveTo>
+                    <a:pt x="0" y="0"/>
+                  </a:moveTo>
+                  <a:lnTo>
+                    <a:pt x="0" y="640613"/>
+                  </a:lnTo>
+                  <a:lnTo>
+                    <a:pt x="757134" y="640613"/>
+                  </a:lnTo>
+                  <a:lnTo>
+                    <a:pt x="757134" y="0"/>
                   </a:lnTo>
                   <a:close/>
                 </a:path>
@@ -5386,18 +5386,18 @@
           </p:nvSpPr>
           <p:spPr>
             <a:xfrm>
-              <a:off x="8970859" y="2130214"/>
-              <a:ext cx="783039" cy="0"/>
-            </a:xfrm>
-            <a:custGeom>
-              <a:avLst/>
-              <a:pathLst>
-                <a:path w="783039" h="0">
-                  <a:moveTo>
-                    <a:pt x="0" y="0"/>
-                  </a:moveTo>
-                  <a:lnTo>
-                    <a:pt x="783039" y="0"/>
+              <a:off x="9004536" y="2297510"/>
+              <a:ext cx="757134" cy="0"/>
+            </a:xfrm>
+            <a:custGeom>
+              <a:avLst/>
+              <a:pathLst>
+                <a:path w="757134" h="0">
+                  <a:moveTo>
+                    <a:pt x="0" y="0"/>
+                  </a:moveTo>
+                  <a:lnTo>
+                    <a:pt x="757134" y="0"/>
                   </a:lnTo>
                 </a:path>
               </a:pathLst>
@@ -5426,8 +5426,8 @@
           </p:nvSpPr>
           <p:spPr>
             <a:xfrm>
-              <a:off x="1427580" y="1392990"/>
-              <a:ext cx="8561230" cy="5534432"/>
+              <a:off x="1710807" y="1613754"/>
+              <a:ext cx="8278003" cy="5133042"/>
             </a:xfrm>
             <a:prstGeom prst="rect">
               <a:avLst/>
@@ -5456,8 +5456,8 @@
           </p:nvSpPr>
           <p:spPr>
             <a:xfrm>
-              <a:off x="1197310" y="5754460"/>
-              <a:ext cx="167640" cy="76835"/>
+              <a:off x="1343377" y="5623423"/>
+              <a:ext cx="304800" cy="139700"/>
             </a:xfrm>
             <a:prstGeom prst="rect">
               <a:avLst/>
@@ -5470,7 +5470,7 @@
             <a:p>
               <a:pPr algn="l" marL="0" marR="0" indent="0">
                 <a:lnSpc>
-                  <a:spcPts val="880"/>
+                  <a:spcPts val="1600"/>
                 </a:lnSpc>
                 <a:spcBef>
                   <a:spcPts val="0"/>
@@ -5480,7 +5480,7 @@
                 </a:spcAft>
               </a:pPr>
               <a:r>
-                <a:rPr sz="880">
+                <a:rPr sz="1600">
                   <a:solidFill>
                     <a:srgbClr val="4D4D4D">
                       <a:alpha val="100000"/>
@@ -5502,8 +5502,8 @@
           </p:nvSpPr>
           <p:spPr>
             <a:xfrm>
-              <a:off x="1141430" y="4609578"/>
-              <a:ext cx="223520" cy="76835"/>
+              <a:off x="1241777" y="4561574"/>
+              <a:ext cx="406400" cy="139700"/>
             </a:xfrm>
             <a:prstGeom prst="rect">
               <a:avLst/>
@@ -5516,7 +5516,7 @@
             <a:p>
               <a:pPr algn="l" marL="0" marR="0" indent="0">
                 <a:lnSpc>
-                  <a:spcPts val="880"/>
+                  <a:spcPts val="1600"/>
                 </a:lnSpc>
                 <a:spcBef>
                   <a:spcPts val="0"/>
@@ -5526,7 +5526,7 @@
                 </a:spcAft>
               </a:pPr>
               <a:r>
-                <a:rPr sz="880">
+                <a:rPr sz="1600">
                   <a:solidFill>
                     <a:srgbClr val="4D4D4D">
                       <a:alpha val="100000"/>
@@ -5548,8 +5548,8 @@
           </p:nvSpPr>
           <p:spPr>
             <a:xfrm>
-              <a:off x="1141430" y="3464695"/>
-              <a:ext cx="223520" cy="76835"/>
+              <a:off x="1241777" y="3499724"/>
+              <a:ext cx="406400" cy="139700"/>
             </a:xfrm>
             <a:prstGeom prst="rect">
               <a:avLst/>
@@ -5562,7 +5562,7 @@
             <a:p>
               <a:pPr algn="l" marL="0" marR="0" indent="0">
                 <a:lnSpc>
-                  <a:spcPts val="880"/>
+                  <a:spcPts val="1600"/>
                 </a:lnSpc>
                 <a:spcBef>
                   <a:spcPts val="0"/>
@@ -5572,7 +5572,7 @@
                 </a:spcAft>
               </a:pPr>
               <a:r>
-                <a:rPr sz="880">
+                <a:rPr sz="1600">
                   <a:solidFill>
                     <a:srgbClr val="4D4D4D">
                       <a:alpha val="100000"/>
@@ -5594,8 +5594,8 @@
           </p:nvSpPr>
           <p:spPr>
             <a:xfrm>
-              <a:off x="1141430" y="2319812"/>
-              <a:ext cx="223520" cy="76835"/>
+              <a:off x="1241777" y="2437875"/>
+              <a:ext cx="406400" cy="139700"/>
             </a:xfrm>
             <a:prstGeom prst="rect">
               <a:avLst/>
@@ -5608,7 +5608,7 @@
             <a:p>
               <a:pPr algn="l" marL="0" marR="0" indent="0">
                 <a:lnSpc>
-                  <a:spcPts val="880"/>
+                  <a:spcPts val="1600"/>
                 </a:lnSpc>
                 <a:spcBef>
                   <a:spcPts val="0"/>
@@ -5618,7 +5618,7 @@
                 </a:spcAft>
               </a:pPr>
               <a:r>
-                <a:rPr sz="880">
+                <a:rPr sz="1600">
                   <a:solidFill>
                     <a:srgbClr val="4D4D4D">
                       <a:alpha val="100000"/>
@@ -5640,7 +5640,7 @@
           </p:nvSpPr>
           <p:spPr>
             <a:xfrm>
-              <a:off x="1392785" y="5794297"/>
+              <a:off x="1676013" y="5695852"/>
               <a:ext cx="34794" cy="0"/>
             </a:xfrm>
             <a:custGeom>
@@ -5680,7 +5680,7 @@
           </p:nvSpPr>
           <p:spPr>
             <a:xfrm>
-              <a:off x="1392785" y="4649414"/>
+              <a:off x="1676013" y="4634003"/>
               <a:ext cx="34794" cy="0"/>
             </a:xfrm>
             <a:custGeom>
@@ -5720,7 +5720,7 @@
           </p:nvSpPr>
           <p:spPr>
             <a:xfrm>
-              <a:off x="1392785" y="3504531"/>
+              <a:off x="1676013" y="3572154"/>
               <a:ext cx="34794" cy="0"/>
             </a:xfrm>
             <a:custGeom>
@@ -5760,7 +5760,7 @@
           </p:nvSpPr>
           <p:spPr>
             <a:xfrm>
-              <a:off x="1392785" y="2359648"/>
+              <a:off x="1676013" y="2510305"/>
               <a:ext cx="34794" cy="0"/>
             </a:xfrm>
             <a:custGeom>
@@ -5800,7 +5800,7 @@
           </p:nvSpPr>
           <p:spPr>
             <a:xfrm>
-              <a:off x="2054011" y="6927422"/>
+              <a:off x="2316515" y="6746796"/>
               <a:ext cx="0" cy="34794"/>
             </a:xfrm>
             <a:custGeom>
@@ -5840,7 +5840,7 @@
           </p:nvSpPr>
           <p:spPr>
             <a:xfrm>
-              <a:off x="3098064" y="6927422"/>
+              <a:off x="3326027" y="6746796"/>
               <a:ext cx="0" cy="34794"/>
             </a:xfrm>
             <a:custGeom>
@@ -5880,7 +5880,7 @@
           </p:nvSpPr>
           <p:spPr>
             <a:xfrm>
-              <a:off x="4142116" y="6927422"/>
+              <a:off x="4335540" y="6746796"/>
               <a:ext cx="0" cy="34794"/>
             </a:xfrm>
             <a:custGeom>
@@ -5920,7 +5920,7 @@
           </p:nvSpPr>
           <p:spPr>
             <a:xfrm>
-              <a:off x="5186169" y="6927422"/>
+              <a:off x="5345053" y="6746796"/>
               <a:ext cx="0" cy="34794"/>
             </a:xfrm>
             <a:custGeom>
@@ -5960,7 +5960,7 @@
           </p:nvSpPr>
           <p:spPr>
             <a:xfrm>
-              <a:off x="6230221" y="6927422"/>
+              <a:off x="6354565" y="6746796"/>
               <a:ext cx="0" cy="34794"/>
             </a:xfrm>
             <a:custGeom>
@@ -6000,7 +6000,7 @@
           </p:nvSpPr>
           <p:spPr>
             <a:xfrm>
-              <a:off x="7274274" y="6927422"/>
+              <a:off x="7364078" y="6746796"/>
               <a:ext cx="0" cy="34794"/>
             </a:xfrm>
             <a:custGeom>
@@ -6040,7 +6040,7 @@
           </p:nvSpPr>
           <p:spPr>
             <a:xfrm>
-              <a:off x="8318326" y="6927422"/>
+              <a:off x="8373590" y="6746796"/>
               <a:ext cx="0" cy="34794"/>
             </a:xfrm>
             <a:custGeom>
@@ -6080,7 +6080,7 @@
           </p:nvSpPr>
           <p:spPr>
             <a:xfrm>
-              <a:off x="9362379" y="6927422"/>
+              <a:off x="9383103" y="6746796"/>
               <a:ext cx="0" cy="34794"/>
             </a:xfrm>
             <a:custGeom>
@@ -6120,8 +6120,8 @@
           </p:nvSpPr>
           <p:spPr>
             <a:xfrm>
-              <a:off x="1836794" y="6984922"/>
-              <a:ext cx="434434" cy="79126"/>
+              <a:off x="1921575" y="6800100"/>
+              <a:ext cx="789880" cy="143867"/>
             </a:xfrm>
             <a:prstGeom prst="rect">
               <a:avLst/>
@@ -6134,7 +6134,7 @@
             <a:p>
               <a:pPr algn="l" marL="0" marR="0" indent="0">
                 <a:lnSpc>
-                  <a:spcPts val="880"/>
+                  <a:spcPts val="1600"/>
                 </a:lnSpc>
                 <a:spcBef>
                   <a:spcPts val="0"/>
@@ -6144,7 +6144,7 @@
                 </a:spcAft>
               </a:pPr>
               <a:r>
-                <a:rPr sz="880">
+                <a:rPr sz="1600">
                   <a:solidFill>
                     <a:srgbClr val="4D4D4D">
                       <a:alpha val="100000"/>
@@ -6166,8 +6166,8 @@
           </p:nvSpPr>
           <p:spPr>
             <a:xfrm>
-              <a:off x="2818691" y="6962330"/>
-              <a:ext cx="558745" cy="101719"/>
+              <a:off x="2818077" y="6759023"/>
+              <a:ext cx="1015900" cy="184943"/>
             </a:xfrm>
             <a:prstGeom prst="rect">
               <a:avLst/>
@@ -6180,7 +6180,7 @@
             <a:p>
               <a:pPr algn="l" marL="0" marR="0" indent="0">
                 <a:lnSpc>
-                  <a:spcPts val="880"/>
+                  <a:spcPts val="1600"/>
                 </a:lnSpc>
                 <a:spcBef>
                   <a:spcPts val="0"/>
@@ -6190,7 +6190,7 @@
                 </a:spcAft>
               </a:pPr>
               <a:r>
-                <a:rPr sz="880">
+                <a:rPr sz="1600">
                   <a:solidFill>
                     <a:srgbClr val="4D4D4D">
                       <a:alpha val="100000"/>
@@ -6212,8 +6212,8 @@
           </p:nvSpPr>
           <p:spPr>
             <a:xfrm>
-              <a:off x="3959006" y="6984922"/>
-              <a:ext cx="366221" cy="79126"/>
+              <a:off x="4002612" y="6800100"/>
+              <a:ext cx="665857" cy="143867"/>
             </a:xfrm>
             <a:prstGeom prst="rect">
               <a:avLst/>
@@ -6226,7 +6226,7 @@
             <a:p>
               <a:pPr algn="l" marL="0" marR="0" indent="0">
                 <a:lnSpc>
-                  <a:spcPts val="880"/>
+                  <a:spcPts val="1600"/>
                 </a:lnSpc>
                 <a:spcBef>
                   <a:spcPts val="0"/>
@@ -6236,7 +6236,7 @@
                 </a:spcAft>
               </a:pPr>
               <a:r>
-                <a:rPr sz="880">
+                <a:rPr sz="1600">
                   <a:solidFill>
                     <a:srgbClr val="4D4D4D">
                       <a:alpha val="100000"/>
@@ -6258,8 +6258,8 @@
           </p:nvSpPr>
           <p:spPr>
             <a:xfrm>
-              <a:off x="4894463" y="6984922"/>
-              <a:ext cx="583411" cy="79126"/>
+              <a:off x="4814679" y="6800100"/>
+              <a:ext cx="1060747" cy="143867"/>
             </a:xfrm>
             <a:prstGeom prst="rect">
               <a:avLst/>
@@ -6272,7 +6272,7 @@
             <a:p>
               <a:pPr algn="l" marL="0" marR="0" indent="0">
                 <a:lnSpc>
-                  <a:spcPts val="880"/>
+                  <a:spcPts val="1600"/>
                 </a:lnSpc>
                 <a:spcBef>
                   <a:spcPts val="0"/>
@@ -6282,7 +6282,7 @@
                 </a:spcAft>
               </a:pPr>
               <a:r>
-                <a:rPr sz="880">
+                <a:rPr sz="1600">
                   <a:solidFill>
                     <a:srgbClr val="4D4D4D">
                       <a:alpha val="100000"/>
@@ -6304,8 +6304,8 @@
           </p:nvSpPr>
           <p:spPr>
             <a:xfrm>
-              <a:off x="6040944" y="6985413"/>
-              <a:ext cx="378554" cy="78635"/>
+              <a:off x="6010425" y="6800993"/>
+              <a:ext cx="688280" cy="142974"/>
             </a:xfrm>
             <a:prstGeom prst="rect">
               <a:avLst/>
@@ -6318,7 +6318,7 @@
             <a:p>
               <a:pPr algn="l" marL="0" marR="0" indent="0">
                 <a:lnSpc>
-                  <a:spcPts val="880"/>
+                  <a:spcPts val="1600"/>
                 </a:lnSpc>
                 <a:spcBef>
                   <a:spcPts val="0"/>
@@ -6328,7 +6328,7 @@
                 </a:spcAft>
               </a:pPr>
               <a:r>
-                <a:rPr sz="880">
+                <a:rPr sz="1600">
                   <a:solidFill>
                     <a:srgbClr val="4D4D4D">
                       <a:alpha val="100000"/>
@@ -6350,8 +6350,8 @@
           </p:nvSpPr>
           <p:spPr>
             <a:xfrm>
-              <a:off x="7001095" y="6962330"/>
-              <a:ext cx="546357" cy="101719"/>
+              <a:off x="6867389" y="6759023"/>
+              <a:ext cx="993378" cy="184943"/>
             </a:xfrm>
             <a:prstGeom prst="rect">
               <a:avLst/>
@@ -6364,7 +6364,7 @@
             <a:p>
               <a:pPr algn="l" marL="0" marR="0" indent="0">
                 <a:lnSpc>
-                  <a:spcPts val="880"/>
+                  <a:spcPts val="1600"/>
                 </a:lnSpc>
                 <a:spcBef>
                   <a:spcPts val="0"/>
@@ -6374,7 +6374,7 @@
                 </a:spcAft>
               </a:pPr>
               <a:r>
-                <a:rPr sz="880">
+                <a:rPr sz="1600">
                   <a:solidFill>
                     <a:srgbClr val="4D4D4D">
                       <a:alpha val="100000"/>
@@ -6396,8 +6396,8 @@
           </p:nvSpPr>
           <p:spPr>
             <a:xfrm>
-              <a:off x="7998626" y="6962548"/>
-              <a:ext cx="639400" cy="101500"/>
+              <a:off x="7792317" y="6759420"/>
+              <a:ext cx="1162546" cy="184546"/>
             </a:xfrm>
             <a:prstGeom prst="rect">
               <a:avLst/>
@@ -6410,7 +6410,7 @@
             <a:p>
               <a:pPr algn="l" marL="0" marR="0" indent="0">
                 <a:lnSpc>
-                  <a:spcPts val="880"/>
+                  <a:spcPts val="1600"/>
                 </a:lnSpc>
                 <a:spcBef>
                   <a:spcPts val="0"/>
@@ -6420,7 +6420,7 @@
                 </a:spcAft>
               </a:pPr>
               <a:r>
-                <a:rPr sz="880">
+                <a:rPr sz="1600">
                   <a:solidFill>
                     <a:srgbClr val="4D4D4D">
                       <a:alpha val="100000"/>
@@ -6442,8 +6442,8 @@
           </p:nvSpPr>
           <p:spPr>
             <a:xfrm>
-              <a:off x="9076813" y="6962330"/>
-              <a:ext cx="571132" cy="101719"/>
+              <a:off x="8863891" y="6759023"/>
+              <a:ext cx="1038423" cy="184943"/>
             </a:xfrm>
             <a:prstGeom prst="rect">
               <a:avLst/>
@@ -6456,7 +6456,7 @@
             <a:p>
               <a:pPr algn="l" marL="0" marR="0" indent="0">
                 <a:lnSpc>
-                  <a:spcPts val="880"/>
+                  <a:spcPts val="1600"/>
                 </a:lnSpc>
                 <a:spcBef>
                   <a:spcPts val="0"/>
@@ -6466,7 +6466,7 @@
                 </a:spcAft>
               </a:pPr>
               <a:r>
-                <a:rPr sz="880">
+                <a:rPr sz="1600">
                   <a:solidFill>
                     <a:srgbClr val="4D4D4D">
                       <a:alpha val="100000"/>
@@ -6488,8 +6488,8 @@
           </p:nvSpPr>
           <p:spPr>
             <a:xfrm>
-              <a:off x="5545269" y="7116347"/>
-              <a:ext cx="325852" cy="99113"/>
+              <a:off x="5553579" y="7010586"/>
+              <a:ext cx="592459" cy="180206"/>
             </a:xfrm>
             <a:prstGeom prst="rect">
               <a:avLst/>
@@ -6502,7 +6502,7 @@
             <a:p>
               <a:pPr algn="l" marL="0" marR="0" indent="0">
                 <a:lnSpc>
-                  <a:spcPts val="1100"/>
+                  <a:spcPts val="2000"/>
                 </a:lnSpc>
                 <a:spcBef>
                   <a:spcPts val="0"/>
@@ -6512,7 +6512,7 @@
                 </a:spcAft>
               </a:pPr>
               <a:r>
-                <a:rPr sz="1100">
+                <a:rPr sz="2000">
                   <a:solidFill>
                     <a:srgbClr val="000000">
                       <a:alpha val="100000"/>
@@ -6534,8 +6534,8 @@
           </p:nvSpPr>
           <p:spPr>
             <a:xfrm rot="-5400000">
-              <a:off x="483818" y="4110649"/>
-              <a:ext cx="1086222" cy="99113"/>
+              <a:off x="74587" y="4090172"/>
+              <a:ext cx="1974949" cy="180206"/>
             </a:xfrm>
             <a:prstGeom prst="rect">
               <a:avLst/>
@@ -6548,7 +6548,7 @@
             <a:p>
               <a:pPr algn="l" marL="0" marR="0" indent="0">
                 <a:lnSpc>
-                  <a:spcPts val="1100"/>
+                  <a:spcPts val="2000"/>
                 </a:lnSpc>
                 <a:spcBef>
                   <a:spcPts val="0"/>
@@ -6558,7 +6558,7 @@
                 </a:spcAft>
               </a:pPr>
               <a:r>
-                <a:rPr sz="1100">
+                <a:rPr sz="2000">
                   <a:solidFill>
                     <a:srgbClr val="000000">
                       <a:alpha val="100000"/>
@@ -6580,8 +6580,8 @@
           </p:nvSpPr>
           <p:spPr>
             <a:xfrm>
-              <a:off x="1427580" y="1166102"/>
-              <a:ext cx="1171692" cy="127148"/>
+              <a:off x="1710807" y="1258167"/>
+              <a:ext cx="2130350" cy="231179"/>
             </a:xfrm>
             <a:prstGeom prst="rect">
               <a:avLst/>
@@ -6594,7 +6594,7 @@
             <a:p>
               <a:pPr algn="l" marL="0" marR="0" indent="0">
                 <a:lnSpc>
-                  <a:spcPts val="1100"/>
+                  <a:spcPts val="2000"/>
                 </a:lnSpc>
                 <a:spcBef>
                   <a:spcPts val="0"/>
@@ -6604,7 +6604,7 @@
                 </a:spcAft>
               </a:pPr>
               <a:r>
-                <a:rPr sz="1100">
+                <a:rPr sz="2000">
                   <a:solidFill>
                     <a:srgbClr val="000000">
                       <a:alpha val="100000"/>
@@ -6626,8 +6626,8 @@
           </p:nvSpPr>
           <p:spPr>
             <a:xfrm>
-              <a:off x="1427580" y="976049"/>
-              <a:ext cx="1368705" cy="118935"/>
+              <a:off x="1710807" y="969552"/>
+              <a:ext cx="2488555" cy="216247"/>
             </a:xfrm>
             <a:prstGeom prst="rect">
               <a:avLst/>
@@ -6640,7 +6640,7 @@
             <a:p>
               <a:pPr algn="l" marL="0" marR="0" indent="0">
                 <a:lnSpc>
-                  <a:spcPts val="1320"/>
+                  <a:spcPts val="2400"/>
                 </a:lnSpc>
                 <a:spcBef>
                   <a:spcPts val="0"/>
@@ -6650,7 +6650,7 @@
                 </a:spcAft>
               </a:pPr>
               <a:r>
-                <a:rPr sz="1320">
+                <a:rPr sz="2400">
                   <a:solidFill>
                     <a:srgbClr val="000000">
                       <a:alpha val="100000"/>
